--- a/TP PROJET SCRUMDevSecOps.pptx
+++ b/TP PROJET SCRUMDevSecOps.pptx
@@ -5,7 +5,7 @@
     <p:sldMasterId id="2147483648" r:id="rId1"/>
   </p:sldMasterIdLst>
   <p:notesMasterIdLst>
-    <p:notesMasterId r:id="rId19"/>
+    <p:notesMasterId r:id="rId25"/>
   </p:notesMasterIdLst>
   <p:sldIdLst>
     <p:sldId id="256" r:id="rId2"/>
@@ -24,7 +24,13 @@
     <p:sldId id="269" r:id="rId15"/>
     <p:sldId id="271" r:id="rId16"/>
     <p:sldId id="272" r:id="rId17"/>
-    <p:sldId id="273" r:id="rId18"/>
+    <p:sldId id="274" r:id="rId18"/>
+    <p:sldId id="273" r:id="rId19"/>
+    <p:sldId id="275" r:id="rId20"/>
+    <p:sldId id="276" r:id="rId21"/>
+    <p:sldId id="278" r:id="rId22"/>
+    <p:sldId id="277" r:id="rId23"/>
+    <p:sldId id="279" r:id="rId24"/>
   </p:sldIdLst>
   <p:sldSz cx="12192000" cy="6858000"/>
   <p:notesSz cx="6858000" cy="9144000"/>
@@ -6839,8 +6845,8 @@
           <a:lstStyle/>
           <a:p>
             <a:r>
-              <a:rPr lang="fr-CA" sz="4800"/>
-              <a:t>Ajout d’un document 0.0</a:t>
+              <a:rPr lang="fr-CA" sz="4800" dirty="0"/>
+              <a:t>Ajout d’un document 0.1</a:t>
             </a:r>
           </a:p>
         </p:txBody>
@@ -7008,15 +7014,29 @@
           <a:p>
             <a:r>
               <a:rPr lang="fr-FR" sz="2000" dirty="0"/>
-              <a:t>Avec la commande </a:t>
-            </a:r>
-            <a:r>
-              <a:rPr lang="fr-FR" sz="2000"/>
-              <a:t>git add, </a:t>
+              <a:t>Avec la commande git </a:t>
+            </a:r>
+            <a:r>
+              <a:rPr lang="fr-FR" sz="2000" dirty="0" err="1"/>
+              <a:t>add</a:t>
             </a:r>
             <a:r>
               <a:rPr lang="fr-FR" sz="2000" dirty="0"/>
-              <a:t>elle va permettre d'ajouter des modifications au prochain commit dans Git.</a:t>
+              <a:t>, elle va permettre d'ajouter des modifications au prochain commit dans Git.</a:t>
+            </a:r>
+          </a:p>
+          <a:p>
+            <a:r>
+              <a:rPr lang="fr-FR" sz="2000" dirty="0"/>
+              <a:t>On peut voir avec git </a:t>
+            </a:r>
+            <a:r>
+              <a:rPr lang="fr-FR" sz="2000" dirty="0" err="1"/>
+              <a:t>status</a:t>
+            </a:r>
+            <a:r>
+              <a:rPr lang="fr-FR" sz="2000" dirty="0"/>
+              <a:t> qu’il y a un nouveau fichier </a:t>
             </a:r>
           </a:p>
         </p:txBody>
@@ -7117,7 +7137,815 @@
     </p:spTree>
     <p:extLst>
       <p:ext uri="{BB962C8B-B14F-4D97-AF65-F5344CB8AC3E}">
+        <p14:creationId xmlns:p14="http://schemas.microsoft.com/office/powerpoint/2010/main" val="2441602648"/>
+      </p:ext>
+    </p:extLst>
+  </p:cSld>
+  <p:clrMapOvr>
+    <a:masterClrMapping/>
+  </p:clrMapOvr>
+</p:sld>
+</file>
+
+<file path=ppt/slides/slide18.xml><?xml version="1.0" encoding="utf-8"?>
+<p:sld xmlns:a="http://schemas.openxmlformats.org/drawingml/2006/main" xmlns:r="http://schemas.openxmlformats.org/officeDocument/2006/relationships" xmlns:p="http://schemas.openxmlformats.org/presentationml/2006/main">
+  <p:cSld>
+    <p:bg>
+      <p:bgPr>
+        <a:solidFill>
+          <a:schemeClr val="bg1"/>
+        </a:solidFill>
+        <a:effectLst/>
+      </p:bgPr>
+    </p:bg>
+    <p:spTree>
+      <p:nvGrpSpPr>
+        <p:cNvPr id="1" name=""/>
+        <p:cNvGrpSpPr/>
+        <p:nvPr/>
+      </p:nvGrpSpPr>
+      <p:grpSpPr>
+        <a:xfrm>
+          <a:off x="0" y="0"/>
+          <a:ext cx="0" cy="0"/>
+          <a:chOff x="0" y="0"/>
+          <a:chExt cx="0" cy="0"/>
+        </a:xfrm>
+      </p:grpSpPr>
+      <p:sp useBgFill="1">
+        <p:nvSpPr>
+          <p:cNvPr id="5227" name="Rectangle 5226">
+            <a:extLst>
+              <a:ext uri="{FF2B5EF4-FFF2-40B4-BE49-F238E27FC236}">
+                <a16:creationId xmlns:a16="http://schemas.microsoft.com/office/drawing/2014/main" id="{058A14AF-9FB5-4CC7-BA35-E8E85D3EDF0E}"/>
+              </a:ext>
+              <a:ext uri="{C183D7F6-B498-43B3-948B-1728B52AA6E4}">
+                <adec:decorative xmlns:adec="http://schemas.microsoft.com/office/drawing/2017/decorative" val="1"/>
+              </a:ext>
+            </a:extLst>
+          </p:cNvPr>
+          <p:cNvSpPr>
+            <a:spLocks noGrp="1" noRot="1" noChangeAspect="1" noMove="1" noResize="1" noEditPoints="1" noAdjustHandles="1" noChangeArrowheads="1" noChangeShapeType="1" noTextEdit="1"/>
+          </p:cNvSpPr>
+          <p:nvPr>
+            <p:extLst>
+              <p:ext uri="{386F3935-93C4-4BCD-93E2-E3B085C9AB24}">
+                <p16:designElem xmlns:p16="http://schemas.microsoft.com/office/powerpoint/2015/main" val="1"/>
+              </p:ext>
+            </p:extLst>
+          </p:nvPr>
+        </p:nvSpPr>
+        <p:spPr>
+          <a:xfrm>
+            <a:off x="0" y="0"/>
+            <a:ext cx="12191999" cy="6857365"/>
+          </a:xfrm>
+          <a:prstGeom prst="rect">
+            <a:avLst/>
+          </a:prstGeom>
+          <a:ln>
+            <a:noFill/>
+          </a:ln>
+        </p:spPr>
+        <p:style>
+          <a:lnRef idx="2">
+            <a:schemeClr val="accent1">
+              <a:shade val="50000"/>
+            </a:schemeClr>
+          </a:lnRef>
+          <a:fillRef idx="1">
+            <a:schemeClr val="accent1"/>
+          </a:fillRef>
+          <a:effectRef idx="0">
+            <a:schemeClr val="accent1"/>
+          </a:effectRef>
+          <a:fontRef idx="minor">
+            <a:schemeClr val="lt1"/>
+          </a:fontRef>
+        </p:style>
+        <p:txBody>
+          <a:bodyPr rtlCol="0" anchor="ctr"/>
+          <a:lstStyle/>
+          <a:p>
+            <a:pPr algn="ctr"/>
+            <a:endParaRPr lang="en-US"/>
+          </a:p>
+        </p:txBody>
+      </p:sp>
+      <p:sp>
+        <p:nvSpPr>
+          <p:cNvPr id="2" name="Title 1">
+            <a:extLst>
+              <a:ext uri="{FF2B5EF4-FFF2-40B4-BE49-F238E27FC236}">
+                <a16:creationId xmlns:a16="http://schemas.microsoft.com/office/drawing/2014/main" id="{D4D41ABF-5363-2906-20A1-15F0EC772662}"/>
+              </a:ext>
+            </a:extLst>
+          </p:cNvPr>
+          <p:cNvSpPr>
+            <a:spLocks noGrp="1"/>
+          </p:cNvSpPr>
+          <p:nvPr>
+            <p:ph type="title"/>
+          </p:nvPr>
+        </p:nvSpPr>
+        <p:spPr>
+          <a:xfrm>
+            <a:off x="793662" y="386930"/>
+            <a:ext cx="10066122" cy="1298448"/>
+          </a:xfrm>
+        </p:spPr>
+        <p:txBody>
+          <a:bodyPr anchor="b">
+            <a:normAutofit/>
+          </a:bodyPr>
+          <a:lstStyle/>
+          <a:p>
+            <a:r>
+              <a:rPr lang="fr-CA" sz="4800" dirty="0"/>
+              <a:t>Ajout d’un document 0.2</a:t>
+            </a:r>
+          </a:p>
+        </p:txBody>
+      </p:sp>
+      <p:sp>
+        <p:nvSpPr>
+          <p:cNvPr id="5229" name="Rectangle 5228">
+            <a:extLst>
+              <a:ext uri="{FF2B5EF4-FFF2-40B4-BE49-F238E27FC236}">
+                <a16:creationId xmlns:a16="http://schemas.microsoft.com/office/drawing/2014/main" id="{3A9A4357-BD1D-4622-A4FE-766E6AB8DE84}"/>
+              </a:ext>
+              <a:ext uri="{C183D7F6-B498-43B3-948B-1728B52AA6E4}">
+                <adec:decorative xmlns:adec="http://schemas.microsoft.com/office/drawing/2017/decorative" val="1"/>
+              </a:ext>
+            </a:extLst>
+          </p:cNvPr>
+          <p:cNvSpPr>
+            <a:spLocks noGrp="1" noRot="1" noChangeAspect="1" noMove="1" noResize="1" noEditPoints="1" noAdjustHandles="1" noChangeArrowheads="1" noChangeShapeType="1" noTextEdit="1"/>
+          </p:cNvSpPr>
+          <p:nvPr>
+            <p:extLst>
+              <p:ext uri="{386F3935-93C4-4BCD-93E2-E3B085C9AB24}">
+                <p16:designElem xmlns:p16="http://schemas.microsoft.com/office/powerpoint/2015/main" val="1"/>
+              </p:ext>
+            </p:extLst>
+          </p:nvPr>
+        </p:nvSpPr>
+        <p:spPr>
+          <a:xfrm flipH="1" flipV="1">
+            <a:off x="-2" y="1998845"/>
+            <a:ext cx="11454595" cy="781699"/>
+          </a:xfrm>
+          <a:prstGeom prst="rect">
+            <a:avLst/>
+          </a:prstGeom>
+          <a:solidFill>
+            <a:schemeClr val="accent4"/>
+          </a:solidFill>
+          <a:ln>
+            <a:noFill/>
+          </a:ln>
+        </p:spPr>
+        <p:style>
+          <a:lnRef idx="2">
+            <a:schemeClr val="accent1">
+              <a:shade val="50000"/>
+            </a:schemeClr>
+          </a:lnRef>
+          <a:fillRef idx="1">
+            <a:schemeClr val="accent1"/>
+          </a:fillRef>
+          <a:effectRef idx="0">
+            <a:schemeClr val="accent1"/>
+          </a:effectRef>
+          <a:fontRef idx="minor">
+            <a:schemeClr val="lt1"/>
+          </a:fontRef>
+        </p:style>
+        <p:txBody>
+          <a:bodyPr rtlCol="0" anchor="ctr"/>
+          <a:lstStyle/>
+          <a:p>
+            <a:pPr algn="ctr"/>
+            <a:endParaRPr lang="en-US"/>
+          </a:p>
+        </p:txBody>
+      </p:sp>
+      <p:sp>
+        <p:nvSpPr>
+          <p:cNvPr id="5231" name="Rectangle 5230">
+            <a:extLst>
+              <a:ext uri="{FF2B5EF4-FFF2-40B4-BE49-F238E27FC236}">
+                <a16:creationId xmlns:a16="http://schemas.microsoft.com/office/drawing/2014/main" id="{E659831F-0D9A-4C63-9EBB-8435B85A440F}"/>
+              </a:ext>
+              <a:ext uri="{C183D7F6-B498-43B3-948B-1728B52AA6E4}">
+                <adec:decorative xmlns:adec="http://schemas.microsoft.com/office/drawing/2017/decorative" val="1"/>
+              </a:ext>
+            </a:extLst>
+          </p:cNvPr>
+          <p:cNvSpPr>
+            <a:spLocks noGrp="1" noRot="1" noChangeAspect="1" noMove="1" noResize="1" noEditPoints="1" noAdjustHandles="1" noChangeArrowheads="1" noChangeShapeType="1" noTextEdit="1"/>
+          </p:cNvSpPr>
+          <p:nvPr>
+            <p:extLst>
+              <p:ext uri="{386F3935-93C4-4BCD-93E2-E3B085C9AB24}">
+                <p16:designElem xmlns:p16="http://schemas.microsoft.com/office/powerpoint/2015/main" val="1"/>
+              </p:ext>
+            </p:extLst>
+          </p:nvPr>
+        </p:nvSpPr>
+        <p:spPr>
+          <a:xfrm>
+            <a:off x="0" y="2203079"/>
+            <a:ext cx="11383362" cy="4267991"/>
+          </a:xfrm>
+          <a:prstGeom prst="rect">
+            <a:avLst/>
+          </a:prstGeom>
+          <a:solidFill>
+            <a:schemeClr val="bg1"/>
+          </a:solidFill>
+          <a:ln>
+            <a:noFill/>
+          </a:ln>
+          <a:effectLst>
+            <a:outerShdw blurRad="139700" dist="127000" dir="5400000" algn="t" rotWithShape="0">
+              <a:prstClr val="black">
+                <a:alpha val="15000"/>
+              </a:prstClr>
+            </a:outerShdw>
+          </a:effectLst>
+        </p:spPr>
+        <p:style>
+          <a:lnRef idx="2">
+            <a:schemeClr val="accent1">
+              <a:shade val="50000"/>
+            </a:schemeClr>
+          </a:lnRef>
+          <a:fillRef idx="1">
+            <a:schemeClr val="accent1"/>
+          </a:fillRef>
+          <a:effectRef idx="0">
+            <a:schemeClr val="accent1"/>
+          </a:effectRef>
+          <a:fontRef idx="minor">
+            <a:schemeClr val="lt1"/>
+          </a:fontRef>
+        </p:style>
+        <p:txBody>
+          <a:bodyPr rtlCol="0" anchor="ctr"/>
+          <a:lstStyle/>
+          <a:p>
+            <a:pPr algn="ctr"/>
+            <a:endParaRPr lang="en-US"/>
+          </a:p>
+        </p:txBody>
+      </p:sp>
+      <p:sp>
+        <p:nvSpPr>
+          <p:cNvPr id="3" name="Content Placeholder 2">
+            <a:extLst>
+              <a:ext uri="{FF2B5EF4-FFF2-40B4-BE49-F238E27FC236}">
+                <a16:creationId xmlns:a16="http://schemas.microsoft.com/office/drawing/2014/main" id="{778530A6-3BB2-E79E-E71E-F3CC518CC24B}"/>
+              </a:ext>
+            </a:extLst>
+          </p:cNvPr>
+          <p:cNvSpPr>
+            <a:spLocks noGrp="1"/>
+          </p:cNvSpPr>
+          <p:nvPr>
+            <p:ph idx="1"/>
+          </p:nvPr>
+        </p:nvSpPr>
+        <p:spPr>
+          <a:xfrm>
+            <a:off x="793661" y="2599509"/>
+            <a:ext cx="4530898" cy="3639450"/>
+          </a:xfrm>
+        </p:spPr>
+        <p:txBody>
+          <a:bodyPr anchor="ctr">
+            <a:normAutofit/>
+          </a:bodyPr>
+          <a:lstStyle/>
+          <a:p>
+            <a:r>
+              <a:rPr lang="fr-FR" sz="2000" dirty="0"/>
+              <a:t>Avec la commande git log, on peut voir l’historique des </a:t>
+            </a:r>
+            <a:r>
+              <a:rPr lang="fr-FR" sz="2000" dirty="0" err="1"/>
+              <a:t>commits</a:t>
+            </a:r>
+            <a:endParaRPr lang="fr-FR" sz="2000" dirty="0"/>
+          </a:p>
+        </p:txBody>
+      </p:sp>
+      <p:sp>
+        <p:nvSpPr>
+          <p:cNvPr id="5233" name="Rectangle 5232">
+            <a:extLst>
+              <a:ext uri="{FF2B5EF4-FFF2-40B4-BE49-F238E27FC236}">
+                <a16:creationId xmlns:a16="http://schemas.microsoft.com/office/drawing/2014/main" id="{E6995CE5-F890-4ABA-82A2-26507CE8D2A3}"/>
+              </a:ext>
+              <a:ext uri="{C183D7F6-B498-43B3-948B-1728B52AA6E4}">
+                <adec:decorative xmlns:adec="http://schemas.microsoft.com/office/drawing/2017/decorative" val="1"/>
+              </a:ext>
+            </a:extLst>
+          </p:cNvPr>
+          <p:cNvSpPr>
+            <a:spLocks noGrp="1" noRot="1" noChangeAspect="1" noMove="1" noResize="1" noEditPoints="1" noAdjustHandles="1" noChangeArrowheads="1" noChangeShapeType="1" noTextEdit="1"/>
+          </p:cNvSpPr>
+          <p:nvPr>
+            <p:extLst>
+              <p:ext uri="{386F3935-93C4-4BCD-93E2-E3B085C9AB24}">
+                <p16:designElem xmlns:p16="http://schemas.microsoft.com/office/powerpoint/2015/main" val="1"/>
+              </p:ext>
+            </p:extLst>
+          </p:nvPr>
+        </p:nvSpPr>
+        <p:spPr>
+          <a:xfrm rot="5400000">
+            <a:off x="11228040" y="2313027"/>
+            <a:ext cx="781700" cy="152382"/>
+          </a:xfrm>
+          <a:prstGeom prst="rect">
+            <a:avLst/>
+          </a:prstGeom>
+          <a:solidFill>
+            <a:schemeClr val="accent4"/>
+          </a:solidFill>
+          <a:ln>
+            <a:noFill/>
+          </a:ln>
+        </p:spPr>
+        <p:style>
+          <a:lnRef idx="2">
+            <a:schemeClr val="accent1">
+              <a:shade val="50000"/>
+            </a:schemeClr>
+          </a:lnRef>
+          <a:fillRef idx="1">
+            <a:schemeClr val="accent1"/>
+          </a:fillRef>
+          <a:effectRef idx="0">
+            <a:schemeClr val="accent1"/>
+          </a:effectRef>
+          <a:fontRef idx="minor">
+            <a:schemeClr val="lt1"/>
+          </a:fontRef>
+        </p:style>
+        <p:txBody>
+          <a:bodyPr rtlCol="0" anchor="ctr"/>
+          <a:lstStyle/>
+          <a:p>
+            <a:pPr algn="ctr"/>
+            <a:endParaRPr lang="en-US"/>
+          </a:p>
+        </p:txBody>
+      </p:sp>
+      <p:pic>
+        <p:nvPicPr>
+          <p:cNvPr id="5" name="Picture 4" descr="A screen shot of a computer program&#10;&#10;Description automatically generated">
+            <a:extLst>
+              <a:ext uri="{FF2B5EF4-FFF2-40B4-BE49-F238E27FC236}">
+                <a16:creationId xmlns:a16="http://schemas.microsoft.com/office/drawing/2014/main" id="{FAEAD7B3-E0E9-194C-7F0B-579BE6B8E00B}"/>
+              </a:ext>
+            </a:extLst>
+          </p:cNvPr>
+          <p:cNvPicPr>
+            <a:picLocks noChangeAspect="1"/>
+          </p:cNvPicPr>
+          <p:nvPr/>
+        </p:nvPicPr>
+        <p:blipFill>
+          <a:blip r:embed="rId2">
+            <a:extLst>
+              <a:ext uri="{28A0092B-C50C-407E-A947-70E740481C1C}">
+                <a14:useLocalDpi xmlns:a14="http://schemas.microsoft.com/office/drawing/2010/main" val="0"/>
+              </a:ext>
+            </a:extLst>
+          </a:blip>
+          <a:stretch>
+            <a:fillRect/>
+          </a:stretch>
+        </p:blipFill>
+        <p:spPr>
+          <a:xfrm>
+            <a:off x="5727295" y="3198677"/>
+            <a:ext cx="5020376" cy="2276793"/>
+          </a:xfrm>
+          <a:prstGeom prst="rect">
+            <a:avLst/>
+          </a:prstGeom>
+        </p:spPr>
+      </p:pic>
+    </p:spTree>
+    <p:extLst>
+      <p:ext uri="{BB962C8B-B14F-4D97-AF65-F5344CB8AC3E}">
         <p14:creationId xmlns:p14="http://schemas.microsoft.com/office/powerpoint/2010/main" val="4260545828"/>
+      </p:ext>
+    </p:extLst>
+  </p:cSld>
+  <p:clrMapOvr>
+    <a:masterClrMapping/>
+  </p:clrMapOvr>
+</p:sld>
+</file>
+
+<file path=ppt/slides/slide19.xml><?xml version="1.0" encoding="utf-8"?>
+<p:sld xmlns:a="http://schemas.openxmlformats.org/drawingml/2006/main" xmlns:r="http://schemas.openxmlformats.org/officeDocument/2006/relationships" xmlns:p="http://schemas.openxmlformats.org/presentationml/2006/main">
+  <p:cSld>
+    <p:bg>
+      <p:bgPr>
+        <a:solidFill>
+          <a:schemeClr val="bg1"/>
+        </a:solidFill>
+        <a:effectLst/>
+      </p:bgPr>
+    </p:bg>
+    <p:spTree>
+      <p:nvGrpSpPr>
+        <p:cNvPr id="1" name=""/>
+        <p:cNvGrpSpPr/>
+        <p:nvPr/>
+      </p:nvGrpSpPr>
+      <p:grpSpPr>
+        <a:xfrm>
+          <a:off x="0" y="0"/>
+          <a:ext cx="0" cy="0"/>
+          <a:chOff x="0" y="0"/>
+          <a:chExt cx="0" cy="0"/>
+        </a:xfrm>
+      </p:grpSpPr>
+      <p:sp useBgFill="1">
+        <p:nvSpPr>
+          <p:cNvPr id="5238" name="Rectangle 5237">
+            <a:extLst>
+              <a:ext uri="{FF2B5EF4-FFF2-40B4-BE49-F238E27FC236}">
+                <a16:creationId xmlns:a16="http://schemas.microsoft.com/office/drawing/2014/main" id="{9D25F302-27C5-414F-97F8-6EA0A6C028BA}"/>
+              </a:ext>
+              <a:ext uri="{C183D7F6-B498-43B3-948B-1728B52AA6E4}">
+                <adec:decorative xmlns:adec="http://schemas.microsoft.com/office/drawing/2017/decorative" val="1"/>
+              </a:ext>
+            </a:extLst>
+          </p:cNvPr>
+          <p:cNvSpPr>
+            <a:spLocks noGrp="1" noRot="1" noChangeAspect="1" noMove="1" noResize="1" noEditPoints="1" noAdjustHandles="1" noChangeArrowheads="1" noChangeShapeType="1" noTextEdit="1"/>
+          </p:cNvSpPr>
+          <p:nvPr>
+            <p:extLst>
+              <p:ext uri="{386F3935-93C4-4BCD-93E2-E3B085C9AB24}">
+                <p16:designElem xmlns:p16="http://schemas.microsoft.com/office/powerpoint/2015/main" val="1"/>
+              </p:ext>
+            </p:extLst>
+          </p:nvPr>
+        </p:nvSpPr>
+        <p:spPr>
+          <a:xfrm>
+            <a:off x="0" y="0"/>
+            <a:ext cx="12192000" cy="6858000"/>
+          </a:xfrm>
+          <a:prstGeom prst="rect">
+            <a:avLst/>
+          </a:prstGeom>
+          <a:ln>
+            <a:noFill/>
+          </a:ln>
+        </p:spPr>
+        <p:style>
+          <a:lnRef idx="2">
+            <a:schemeClr val="accent1">
+              <a:shade val="50000"/>
+            </a:schemeClr>
+          </a:lnRef>
+          <a:fillRef idx="1">
+            <a:schemeClr val="accent1"/>
+          </a:fillRef>
+          <a:effectRef idx="0">
+            <a:schemeClr val="accent1"/>
+          </a:effectRef>
+          <a:fontRef idx="minor">
+            <a:schemeClr val="lt1"/>
+          </a:fontRef>
+        </p:style>
+        <p:txBody>
+          <a:bodyPr rtlCol="0" anchor="ctr"/>
+          <a:lstStyle/>
+          <a:p>
+            <a:pPr algn="ctr"/>
+            <a:endParaRPr lang="en-US"/>
+          </a:p>
+        </p:txBody>
+      </p:sp>
+      <p:pic>
+        <p:nvPicPr>
+          <p:cNvPr id="6" name="Picture 5" descr="A screenshot of a computer program&#10;&#10;Description automatically generated">
+            <a:extLst>
+              <a:ext uri="{FF2B5EF4-FFF2-40B4-BE49-F238E27FC236}">
+                <a16:creationId xmlns:a16="http://schemas.microsoft.com/office/drawing/2014/main" id="{E02E4461-C636-58CF-AB6F-58BFDF894749}"/>
+              </a:ext>
+            </a:extLst>
+          </p:cNvPr>
+          <p:cNvPicPr>
+            <a:picLocks noChangeAspect="1"/>
+          </p:cNvPicPr>
+          <p:nvPr/>
+        </p:nvPicPr>
+        <p:blipFill>
+          <a:blip r:embed="rId2"/>
+          <a:stretch>
+            <a:fillRect/>
+          </a:stretch>
+        </p:blipFill>
+        <p:spPr>
+          <a:xfrm>
+            <a:off x="621676" y="1215910"/>
+            <a:ext cx="3874124" cy="1459589"/>
+          </a:xfrm>
+          <a:prstGeom prst="rect">
+            <a:avLst/>
+          </a:prstGeom>
+        </p:spPr>
+      </p:pic>
+      <p:pic>
+        <p:nvPicPr>
+          <p:cNvPr id="8" name="Picture 7" descr="A screenshot of a computer&#10;&#10;Description automatically generated">
+            <a:extLst>
+              <a:ext uri="{FF2B5EF4-FFF2-40B4-BE49-F238E27FC236}">
+                <a16:creationId xmlns:a16="http://schemas.microsoft.com/office/drawing/2014/main" id="{60841391-7744-0EEC-B41A-E1EF670BB15C}"/>
+              </a:ext>
+            </a:extLst>
+          </p:cNvPr>
+          <p:cNvPicPr>
+            <a:picLocks noChangeAspect="1"/>
+          </p:cNvPicPr>
+          <p:nvPr/>
+        </p:nvPicPr>
+        <p:blipFill>
+          <a:blip r:embed="rId3"/>
+          <a:stretch>
+            <a:fillRect/>
+          </a:stretch>
+        </p:blipFill>
+        <p:spPr>
+          <a:xfrm>
+            <a:off x="621676" y="3988622"/>
+            <a:ext cx="3874124" cy="1840209"/>
+          </a:xfrm>
+          <a:prstGeom prst="rect">
+            <a:avLst/>
+          </a:prstGeom>
+        </p:spPr>
+      </p:pic>
+      <p:sp>
+        <p:nvSpPr>
+          <p:cNvPr id="5240" name="Right Triangle 5239">
+            <a:extLst>
+              <a:ext uri="{FF2B5EF4-FFF2-40B4-BE49-F238E27FC236}">
+                <a16:creationId xmlns:a16="http://schemas.microsoft.com/office/drawing/2014/main" id="{830A36F8-48C2-4842-A87B-8CE8DF4E7FD2}"/>
+              </a:ext>
+              <a:ext uri="{C183D7F6-B498-43B3-948B-1728B52AA6E4}">
+                <adec:decorative xmlns:adec="http://schemas.microsoft.com/office/drawing/2017/decorative" val="1"/>
+              </a:ext>
+            </a:extLst>
+          </p:cNvPr>
+          <p:cNvSpPr>
+            <a:spLocks noGrp="1" noRot="1" noChangeAspect="1" noMove="1" noResize="1" noEditPoints="1" noAdjustHandles="1" noChangeArrowheads="1" noChangeShapeType="1" noTextEdit="1"/>
+          </p:cNvSpPr>
+          <p:nvPr>
+            <p:extLst>
+              <p:ext uri="{386F3935-93C4-4BCD-93E2-E3B085C9AB24}">
+                <p16:designElem xmlns:p16="http://schemas.microsoft.com/office/powerpoint/2015/main" val="1"/>
+              </p:ext>
+            </p:extLst>
+          </p:nvPr>
+        </p:nvSpPr>
+        <p:spPr>
+          <a:xfrm flipH="1">
+            <a:off x="8576720" y="3335867"/>
+            <a:ext cx="3291840" cy="3200400"/>
+          </a:xfrm>
+          <a:prstGeom prst="rtTriangle">
+            <a:avLst/>
+          </a:prstGeom>
+          <a:solidFill>
+            <a:schemeClr val="accent4"/>
+          </a:solidFill>
+          <a:ln>
+            <a:noFill/>
+          </a:ln>
+        </p:spPr>
+        <p:style>
+          <a:lnRef idx="2">
+            <a:schemeClr val="accent1">
+              <a:shade val="50000"/>
+            </a:schemeClr>
+          </a:lnRef>
+          <a:fillRef idx="1">
+            <a:schemeClr val="accent1"/>
+          </a:fillRef>
+          <a:effectRef idx="0">
+            <a:schemeClr val="accent1"/>
+          </a:effectRef>
+          <a:fontRef idx="minor">
+            <a:schemeClr val="lt1"/>
+          </a:fontRef>
+        </p:style>
+        <p:txBody>
+          <a:bodyPr rtlCol="0" anchor="ctr"/>
+          <a:lstStyle/>
+          <a:p>
+            <a:pPr algn="ctr"/>
+            <a:endParaRPr lang="en-US" dirty="0"/>
+          </a:p>
+        </p:txBody>
+      </p:sp>
+      <p:sp>
+        <p:nvSpPr>
+          <p:cNvPr id="5242" name="Rectangle 5241">
+            <a:extLst>
+              <a:ext uri="{FF2B5EF4-FFF2-40B4-BE49-F238E27FC236}">
+                <a16:creationId xmlns:a16="http://schemas.microsoft.com/office/drawing/2014/main" id="{7F488E8B-4E1E-4402-8935-D4E6C02615C7}"/>
+              </a:ext>
+              <a:ext uri="{C183D7F6-B498-43B3-948B-1728B52AA6E4}">
+                <adec:decorative xmlns:adec="http://schemas.microsoft.com/office/drawing/2017/decorative" val="1"/>
+              </a:ext>
+            </a:extLst>
+          </p:cNvPr>
+          <p:cNvSpPr>
+            <a:spLocks noGrp="1" noRot="1" noChangeAspect="1" noMove="1" noResize="1" noEditPoints="1" noAdjustHandles="1" noChangeArrowheads="1" noChangeShapeType="1" noTextEdit="1"/>
+          </p:cNvSpPr>
+          <p:nvPr>
+            <p:extLst>
+              <p:ext uri="{386F3935-93C4-4BCD-93E2-E3B085C9AB24}">
+                <p16:designElem xmlns:p16="http://schemas.microsoft.com/office/powerpoint/2015/main" val="1"/>
+              </p:ext>
+            </p:extLst>
+          </p:nvPr>
+        </p:nvSpPr>
+        <p:spPr>
+          <a:xfrm>
+            <a:off x="4976029" y="623275"/>
+            <a:ext cx="6570797" cy="5607882"/>
+          </a:xfrm>
+          <a:prstGeom prst="rect">
+            <a:avLst/>
+          </a:prstGeom>
+          <a:noFill/>
+          <a:ln w="19050">
+            <a:solidFill>
+              <a:schemeClr val="tx1">
+                <a:lumMod val="75000"/>
+                <a:lumOff val="25000"/>
+              </a:schemeClr>
+            </a:solidFill>
+          </a:ln>
+        </p:spPr>
+        <p:style>
+          <a:lnRef idx="2">
+            <a:schemeClr val="accent1">
+              <a:shade val="50000"/>
+            </a:schemeClr>
+          </a:lnRef>
+          <a:fillRef idx="1">
+            <a:schemeClr val="accent1"/>
+          </a:fillRef>
+          <a:effectRef idx="0">
+            <a:schemeClr val="accent1"/>
+          </a:effectRef>
+          <a:fontRef idx="minor">
+            <a:schemeClr val="lt1"/>
+          </a:fontRef>
+        </p:style>
+        <p:txBody>
+          <a:bodyPr rtlCol="0" anchor="ctr"/>
+          <a:lstStyle/>
+          <a:p>
+            <a:pPr algn="ctr"/>
+            <a:endParaRPr lang="en-US"/>
+          </a:p>
+        </p:txBody>
+      </p:sp>
+      <p:sp>
+        <p:nvSpPr>
+          <p:cNvPr id="2" name="Title 1">
+            <a:extLst>
+              <a:ext uri="{FF2B5EF4-FFF2-40B4-BE49-F238E27FC236}">
+                <a16:creationId xmlns:a16="http://schemas.microsoft.com/office/drawing/2014/main" id="{D4D41ABF-5363-2906-20A1-15F0EC772662}"/>
+              </a:ext>
+            </a:extLst>
+          </p:cNvPr>
+          <p:cNvSpPr>
+            <a:spLocks noGrp="1"/>
+          </p:cNvSpPr>
+          <p:nvPr>
+            <p:ph type="title"/>
+          </p:nvPr>
+        </p:nvSpPr>
+        <p:spPr>
+          <a:xfrm>
+            <a:off x="5465659" y="1188637"/>
+            <a:ext cx="5642312" cy="1597228"/>
+          </a:xfrm>
+        </p:spPr>
+        <p:txBody>
+          <a:bodyPr>
+            <a:normAutofit/>
+          </a:bodyPr>
+          <a:lstStyle/>
+          <a:p>
+            <a:r>
+              <a:rPr lang="fr-CA" sz="5400"/>
+              <a:t>Ajout d’un document 0.3</a:t>
+            </a:r>
+          </a:p>
+        </p:txBody>
+      </p:sp>
+      <p:sp>
+        <p:nvSpPr>
+          <p:cNvPr id="3" name="Content Placeholder 2">
+            <a:extLst>
+              <a:ext uri="{FF2B5EF4-FFF2-40B4-BE49-F238E27FC236}">
+                <a16:creationId xmlns:a16="http://schemas.microsoft.com/office/drawing/2014/main" id="{778530A6-3BB2-E79E-E71E-F3CC518CC24B}"/>
+              </a:ext>
+            </a:extLst>
+          </p:cNvPr>
+          <p:cNvSpPr>
+            <a:spLocks noGrp="1"/>
+          </p:cNvSpPr>
+          <p:nvPr>
+            <p:ph idx="1"/>
+          </p:nvPr>
+        </p:nvSpPr>
+        <p:spPr>
+          <a:xfrm>
+            <a:off x="5465660" y="2998278"/>
+            <a:ext cx="4505654" cy="2728198"/>
+          </a:xfrm>
+        </p:spPr>
+        <p:txBody>
+          <a:bodyPr anchor="t">
+            <a:normAutofit/>
+          </a:bodyPr>
+          <a:lstStyle/>
+          <a:p>
+            <a:r>
+              <a:rPr lang="fr-FR" sz="2400"/>
+              <a:t>Avec la commande git push, on va pousser tous nos modifications au dépôt sur GitHub.</a:t>
+            </a:r>
+          </a:p>
+        </p:txBody>
+      </p:sp>
+      <p:sp>
+        <p:nvSpPr>
+          <p:cNvPr id="9" name="Arrow: Down 8">
+            <a:extLst>
+              <a:ext uri="{FF2B5EF4-FFF2-40B4-BE49-F238E27FC236}">
+                <a16:creationId xmlns:a16="http://schemas.microsoft.com/office/drawing/2014/main" id="{1D7A6564-8664-5BE5-37CC-C93D6C7BF6CC}"/>
+              </a:ext>
+            </a:extLst>
+          </p:cNvPr>
+          <p:cNvSpPr/>
+          <p:nvPr/>
+        </p:nvSpPr>
+        <p:spPr>
+          <a:xfrm>
+            <a:off x="2220686" y="2913001"/>
+            <a:ext cx="484632" cy="978408"/>
+          </a:xfrm>
+          <a:prstGeom prst="downArrow">
+            <a:avLst/>
+          </a:prstGeom>
+        </p:spPr>
+        <p:style>
+          <a:lnRef idx="2">
+            <a:schemeClr val="accent1">
+              <a:shade val="15000"/>
+            </a:schemeClr>
+          </a:lnRef>
+          <a:fillRef idx="1">
+            <a:schemeClr val="accent1"/>
+          </a:fillRef>
+          <a:effectRef idx="0">
+            <a:schemeClr val="accent1"/>
+          </a:effectRef>
+          <a:fontRef idx="minor">
+            <a:schemeClr val="lt1"/>
+          </a:fontRef>
+        </p:style>
+        <p:txBody>
+          <a:bodyPr rtlCol="0" anchor="ctr"/>
+          <a:lstStyle/>
+          <a:p>
+            <a:pPr algn="ctr"/>
+            <a:endParaRPr lang="fr-CA"/>
+          </a:p>
+        </p:txBody>
+      </p:sp>
+    </p:spTree>
+    <p:extLst>
+      <p:ext uri="{BB962C8B-B14F-4D97-AF65-F5344CB8AC3E}">
+        <p14:creationId xmlns:p14="http://schemas.microsoft.com/office/powerpoint/2010/main" val="736861072"/>
       </p:ext>
     </p:extLst>
   </p:cSld>
@@ -7446,6 +8274,1308 @@
     <p:extLst>
       <p:ext uri="{BB962C8B-B14F-4D97-AF65-F5344CB8AC3E}">
         <p14:creationId xmlns:p14="http://schemas.microsoft.com/office/powerpoint/2010/main" val="2259850524"/>
+      </p:ext>
+    </p:extLst>
+  </p:cSld>
+  <p:clrMapOvr>
+    <a:masterClrMapping/>
+  </p:clrMapOvr>
+</p:sld>
+</file>
+
+<file path=ppt/slides/slide20.xml><?xml version="1.0" encoding="utf-8"?>
+<p:sld xmlns:a="http://schemas.openxmlformats.org/drawingml/2006/main" xmlns:r="http://schemas.openxmlformats.org/officeDocument/2006/relationships" xmlns:p="http://schemas.openxmlformats.org/presentationml/2006/main">
+  <p:cSld>
+    <p:bg>
+      <p:bgPr>
+        <a:solidFill>
+          <a:schemeClr val="bg1"/>
+        </a:solidFill>
+        <a:effectLst/>
+      </p:bgPr>
+    </p:bg>
+    <p:spTree>
+      <p:nvGrpSpPr>
+        <p:cNvPr id="1" name=""/>
+        <p:cNvGrpSpPr/>
+        <p:nvPr/>
+      </p:nvGrpSpPr>
+      <p:grpSpPr>
+        <a:xfrm>
+          <a:off x="0" y="0"/>
+          <a:ext cx="0" cy="0"/>
+          <a:chOff x="0" y="0"/>
+          <a:chExt cx="0" cy="0"/>
+        </a:xfrm>
+      </p:grpSpPr>
+      <p:sp useBgFill="1">
+        <p:nvSpPr>
+          <p:cNvPr id="5238" name="Rectangle 5237">
+            <a:extLst>
+              <a:ext uri="{FF2B5EF4-FFF2-40B4-BE49-F238E27FC236}">
+                <a16:creationId xmlns:a16="http://schemas.microsoft.com/office/drawing/2014/main" id="{9D25F302-27C5-414F-97F8-6EA0A6C028BA}"/>
+              </a:ext>
+              <a:ext uri="{C183D7F6-B498-43B3-948B-1728B52AA6E4}">
+                <adec:decorative xmlns:adec="http://schemas.microsoft.com/office/drawing/2017/decorative" val="1"/>
+              </a:ext>
+            </a:extLst>
+          </p:cNvPr>
+          <p:cNvSpPr>
+            <a:spLocks noGrp="1" noRot="1" noChangeAspect="1" noMove="1" noResize="1" noEditPoints="1" noAdjustHandles="1" noChangeArrowheads="1" noChangeShapeType="1" noTextEdit="1"/>
+          </p:cNvSpPr>
+          <p:nvPr>
+            <p:extLst>
+              <p:ext uri="{386F3935-93C4-4BCD-93E2-E3B085C9AB24}">
+                <p16:designElem xmlns:p16="http://schemas.microsoft.com/office/powerpoint/2015/main" val="1"/>
+              </p:ext>
+            </p:extLst>
+          </p:nvPr>
+        </p:nvSpPr>
+        <p:spPr>
+          <a:xfrm>
+            <a:off x="0" y="0"/>
+            <a:ext cx="12192000" cy="6858000"/>
+          </a:xfrm>
+          <a:prstGeom prst="rect">
+            <a:avLst/>
+          </a:prstGeom>
+          <a:ln>
+            <a:noFill/>
+          </a:ln>
+        </p:spPr>
+        <p:style>
+          <a:lnRef idx="2">
+            <a:schemeClr val="accent1">
+              <a:shade val="50000"/>
+            </a:schemeClr>
+          </a:lnRef>
+          <a:fillRef idx="1">
+            <a:schemeClr val="accent1"/>
+          </a:fillRef>
+          <a:effectRef idx="0">
+            <a:schemeClr val="accent1"/>
+          </a:effectRef>
+          <a:fontRef idx="minor">
+            <a:schemeClr val="lt1"/>
+          </a:fontRef>
+        </p:style>
+        <p:txBody>
+          <a:bodyPr rtlCol="0" anchor="ctr"/>
+          <a:lstStyle/>
+          <a:p>
+            <a:pPr algn="ctr"/>
+            <a:endParaRPr lang="en-US"/>
+          </a:p>
+        </p:txBody>
+      </p:sp>
+      <p:sp>
+        <p:nvSpPr>
+          <p:cNvPr id="5240" name="Right Triangle 5239">
+            <a:extLst>
+              <a:ext uri="{FF2B5EF4-FFF2-40B4-BE49-F238E27FC236}">
+                <a16:creationId xmlns:a16="http://schemas.microsoft.com/office/drawing/2014/main" id="{830A36F8-48C2-4842-A87B-8CE8DF4E7FD2}"/>
+              </a:ext>
+              <a:ext uri="{C183D7F6-B498-43B3-948B-1728B52AA6E4}">
+                <adec:decorative xmlns:adec="http://schemas.microsoft.com/office/drawing/2017/decorative" val="1"/>
+              </a:ext>
+            </a:extLst>
+          </p:cNvPr>
+          <p:cNvSpPr>
+            <a:spLocks noGrp="1" noRot="1" noChangeAspect="1" noMove="1" noResize="1" noEditPoints="1" noAdjustHandles="1" noChangeArrowheads="1" noChangeShapeType="1" noTextEdit="1"/>
+          </p:cNvSpPr>
+          <p:nvPr>
+            <p:extLst>
+              <p:ext uri="{386F3935-93C4-4BCD-93E2-E3B085C9AB24}">
+                <p16:designElem xmlns:p16="http://schemas.microsoft.com/office/powerpoint/2015/main" val="1"/>
+              </p:ext>
+            </p:extLst>
+          </p:nvPr>
+        </p:nvSpPr>
+        <p:spPr>
+          <a:xfrm flipH="1">
+            <a:off x="8576720" y="3335867"/>
+            <a:ext cx="3291840" cy="3200400"/>
+          </a:xfrm>
+          <a:prstGeom prst="rtTriangle">
+            <a:avLst/>
+          </a:prstGeom>
+          <a:solidFill>
+            <a:schemeClr val="accent4"/>
+          </a:solidFill>
+          <a:ln>
+            <a:noFill/>
+          </a:ln>
+        </p:spPr>
+        <p:style>
+          <a:lnRef idx="2">
+            <a:schemeClr val="accent1">
+              <a:shade val="50000"/>
+            </a:schemeClr>
+          </a:lnRef>
+          <a:fillRef idx="1">
+            <a:schemeClr val="accent1"/>
+          </a:fillRef>
+          <a:effectRef idx="0">
+            <a:schemeClr val="accent1"/>
+          </a:effectRef>
+          <a:fontRef idx="minor">
+            <a:schemeClr val="lt1"/>
+          </a:fontRef>
+        </p:style>
+        <p:txBody>
+          <a:bodyPr rtlCol="0" anchor="ctr"/>
+          <a:lstStyle/>
+          <a:p>
+            <a:pPr algn="ctr"/>
+            <a:endParaRPr lang="en-US" dirty="0"/>
+          </a:p>
+        </p:txBody>
+      </p:sp>
+      <p:sp>
+        <p:nvSpPr>
+          <p:cNvPr id="5242" name="Rectangle 5241">
+            <a:extLst>
+              <a:ext uri="{FF2B5EF4-FFF2-40B4-BE49-F238E27FC236}">
+                <a16:creationId xmlns:a16="http://schemas.microsoft.com/office/drawing/2014/main" id="{7F488E8B-4E1E-4402-8935-D4E6C02615C7}"/>
+              </a:ext>
+              <a:ext uri="{C183D7F6-B498-43B3-948B-1728B52AA6E4}">
+                <adec:decorative xmlns:adec="http://schemas.microsoft.com/office/drawing/2017/decorative" val="1"/>
+              </a:ext>
+            </a:extLst>
+          </p:cNvPr>
+          <p:cNvSpPr>
+            <a:spLocks noGrp="1" noRot="1" noChangeAspect="1" noMove="1" noResize="1" noEditPoints="1" noAdjustHandles="1" noChangeArrowheads="1" noChangeShapeType="1" noTextEdit="1"/>
+          </p:cNvSpPr>
+          <p:nvPr>
+            <p:extLst>
+              <p:ext uri="{386F3935-93C4-4BCD-93E2-E3B085C9AB24}">
+                <p16:designElem xmlns:p16="http://schemas.microsoft.com/office/powerpoint/2015/main" val="1"/>
+              </p:ext>
+            </p:extLst>
+          </p:nvPr>
+        </p:nvSpPr>
+        <p:spPr>
+          <a:xfrm>
+            <a:off x="4976029" y="623275"/>
+            <a:ext cx="6570797" cy="5607882"/>
+          </a:xfrm>
+          <a:prstGeom prst="rect">
+            <a:avLst/>
+          </a:prstGeom>
+          <a:noFill/>
+          <a:ln w="19050">
+            <a:solidFill>
+              <a:schemeClr val="tx1">
+                <a:lumMod val="75000"/>
+                <a:lumOff val="25000"/>
+              </a:schemeClr>
+            </a:solidFill>
+          </a:ln>
+        </p:spPr>
+        <p:style>
+          <a:lnRef idx="2">
+            <a:schemeClr val="accent1">
+              <a:shade val="50000"/>
+            </a:schemeClr>
+          </a:lnRef>
+          <a:fillRef idx="1">
+            <a:schemeClr val="accent1"/>
+          </a:fillRef>
+          <a:effectRef idx="0">
+            <a:schemeClr val="accent1"/>
+          </a:effectRef>
+          <a:fontRef idx="minor">
+            <a:schemeClr val="lt1"/>
+          </a:fontRef>
+        </p:style>
+        <p:txBody>
+          <a:bodyPr rtlCol="0" anchor="ctr"/>
+          <a:lstStyle/>
+          <a:p>
+            <a:pPr algn="ctr"/>
+            <a:endParaRPr lang="en-US"/>
+          </a:p>
+        </p:txBody>
+      </p:sp>
+      <p:sp>
+        <p:nvSpPr>
+          <p:cNvPr id="2" name="Title 1">
+            <a:extLst>
+              <a:ext uri="{FF2B5EF4-FFF2-40B4-BE49-F238E27FC236}">
+                <a16:creationId xmlns:a16="http://schemas.microsoft.com/office/drawing/2014/main" id="{D4D41ABF-5363-2906-20A1-15F0EC772662}"/>
+              </a:ext>
+            </a:extLst>
+          </p:cNvPr>
+          <p:cNvSpPr>
+            <a:spLocks noGrp="1"/>
+          </p:cNvSpPr>
+          <p:nvPr>
+            <p:ph type="title"/>
+          </p:nvPr>
+        </p:nvSpPr>
+        <p:spPr>
+          <a:xfrm>
+            <a:off x="5465659" y="1188637"/>
+            <a:ext cx="5642312" cy="1597228"/>
+          </a:xfrm>
+        </p:spPr>
+        <p:txBody>
+          <a:bodyPr>
+            <a:normAutofit/>
+          </a:bodyPr>
+          <a:lstStyle/>
+          <a:p>
+            <a:r>
+              <a:rPr lang="fr-CA" sz="5400" dirty="0"/>
+              <a:t>Modifications</a:t>
+            </a:r>
+          </a:p>
+        </p:txBody>
+      </p:sp>
+      <p:sp>
+        <p:nvSpPr>
+          <p:cNvPr id="3" name="Content Placeholder 2">
+            <a:extLst>
+              <a:ext uri="{FF2B5EF4-FFF2-40B4-BE49-F238E27FC236}">
+                <a16:creationId xmlns:a16="http://schemas.microsoft.com/office/drawing/2014/main" id="{778530A6-3BB2-E79E-E71E-F3CC518CC24B}"/>
+              </a:ext>
+            </a:extLst>
+          </p:cNvPr>
+          <p:cNvSpPr>
+            <a:spLocks noGrp="1"/>
+          </p:cNvSpPr>
+          <p:nvPr>
+            <p:ph idx="1"/>
+          </p:nvPr>
+        </p:nvSpPr>
+        <p:spPr>
+          <a:xfrm>
+            <a:off x="5465660" y="2998278"/>
+            <a:ext cx="4505654" cy="2728198"/>
+          </a:xfrm>
+        </p:spPr>
+        <p:txBody>
+          <a:bodyPr anchor="t">
+            <a:normAutofit/>
+          </a:bodyPr>
+          <a:lstStyle/>
+          <a:p>
+            <a:r>
+              <a:rPr lang="fr-FR" sz="2400" dirty="0"/>
+              <a:t>Je suis les mêmes étapes si je fais une modification sur le document Powerpoint.</a:t>
+            </a:r>
+          </a:p>
+        </p:txBody>
+      </p:sp>
+      <p:pic>
+        <p:nvPicPr>
+          <p:cNvPr id="5" name="Picture 4">
+            <a:extLst>
+              <a:ext uri="{FF2B5EF4-FFF2-40B4-BE49-F238E27FC236}">
+                <a16:creationId xmlns:a16="http://schemas.microsoft.com/office/drawing/2014/main" id="{C6AA80B2-5B51-BBAE-8A1B-A7BE5AB3680B}"/>
+              </a:ext>
+            </a:extLst>
+          </p:cNvPr>
+          <p:cNvPicPr>
+            <a:picLocks noChangeAspect="1"/>
+          </p:cNvPicPr>
+          <p:nvPr/>
+        </p:nvPicPr>
+        <p:blipFill>
+          <a:blip r:embed="rId2"/>
+          <a:stretch>
+            <a:fillRect/>
+          </a:stretch>
+        </p:blipFill>
+        <p:spPr>
+          <a:xfrm>
+            <a:off x="567127" y="623275"/>
+            <a:ext cx="2191056" cy="5515745"/>
+          </a:xfrm>
+          <a:prstGeom prst="rect">
+            <a:avLst/>
+          </a:prstGeom>
+        </p:spPr>
+      </p:pic>
+    </p:spTree>
+    <p:extLst>
+      <p:ext uri="{BB962C8B-B14F-4D97-AF65-F5344CB8AC3E}">
+        <p14:creationId xmlns:p14="http://schemas.microsoft.com/office/powerpoint/2010/main" val="1572492183"/>
+      </p:ext>
+    </p:extLst>
+  </p:cSld>
+  <p:clrMapOvr>
+    <a:masterClrMapping/>
+  </p:clrMapOvr>
+</p:sld>
+</file>
+
+<file path=ppt/slides/slide21.xml><?xml version="1.0" encoding="utf-8"?>
+<p:sld xmlns:a="http://schemas.openxmlformats.org/drawingml/2006/main" xmlns:r="http://schemas.openxmlformats.org/officeDocument/2006/relationships" xmlns:p="http://schemas.openxmlformats.org/presentationml/2006/main">
+  <p:cSld>
+    <p:bg>
+      <p:bgPr>
+        <a:solidFill>
+          <a:schemeClr val="bg1"/>
+        </a:solidFill>
+        <a:effectLst/>
+      </p:bgPr>
+    </p:bg>
+    <p:spTree>
+      <p:nvGrpSpPr>
+        <p:cNvPr id="1" name=""/>
+        <p:cNvGrpSpPr/>
+        <p:nvPr/>
+      </p:nvGrpSpPr>
+      <p:grpSpPr>
+        <a:xfrm>
+          <a:off x="0" y="0"/>
+          <a:ext cx="0" cy="0"/>
+          <a:chOff x="0" y="0"/>
+          <a:chExt cx="0" cy="0"/>
+        </a:xfrm>
+      </p:grpSpPr>
+      <p:sp useBgFill="1">
+        <p:nvSpPr>
+          <p:cNvPr id="5247" name="Rectangle 5246">
+            <a:extLst>
+              <a:ext uri="{FF2B5EF4-FFF2-40B4-BE49-F238E27FC236}">
+                <a16:creationId xmlns:a16="http://schemas.microsoft.com/office/drawing/2014/main" id="{9D25F302-27C5-414F-97F8-6EA0A6C028BA}"/>
+              </a:ext>
+              <a:ext uri="{C183D7F6-B498-43B3-948B-1728B52AA6E4}">
+                <adec:decorative xmlns:adec="http://schemas.microsoft.com/office/drawing/2017/decorative" val="1"/>
+              </a:ext>
+            </a:extLst>
+          </p:cNvPr>
+          <p:cNvSpPr>
+            <a:spLocks noGrp="1" noRot="1" noChangeAspect="1" noMove="1" noResize="1" noEditPoints="1" noAdjustHandles="1" noChangeArrowheads="1" noChangeShapeType="1" noTextEdit="1"/>
+          </p:cNvSpPr>
+          <p:nvPr>
+            <p:extLst>
+              <p:ext uri="{386F3935-93C4-4BCD-93E2-E3B085C9AB24}">
+                <p16:designElem xmlns:p16="http://schemas.microsoft.com/office/powerpoint/2015/main" val="1"/>
+              </p:ext>
+            </p:extLst>
+          </p:nvPr>
+        </p:nvSpPr>
+        <p:spPr>
+          <a:xfrm>
+            <a:off x="0" y="0"/>
+            <a:ext cx="12192000" cy="6858000"/>
+          </a:xfrm>
+          <a:prstGeom prst="rect">
+            <a:avLst/>
+          </a:prstGeom>
+          <a:ln>
+            <a:noFill/>
+          </a:ln>
+        </p:spPr>
+        <p:style>
+          <a:lnRef idx="2">
+            <a:schemeClr val="accent1">
+              <a:shade val="50000"/>
+            </a:schemeClr>
+          </a:lnRef>
+          <a:fillRef idx="1">
+            <a:schemeClr val="accent1"/>
+          </a:fillRef>
+          <a:effectRef idx="0">
+            <a:schemeClr val="accent1"/>
+          </a:effectRef>
+          <a:fontRef idx="minor">
+            <a:schemeClr val="lt1"/>
+          </a:fontRef>
+        </p:style>
+        <p:txBody>
+          <a:bodyPr rtlCol="0" anchor="ctr"/>
+          <a:lstStyle/>
+          <a:p>
+            <a:pPr algn="ctr"/>
+            <a:endParaRPr lang="en-US"/>
+          </a:p>
+        </p:txBody>
+      </p:sp>
+      <p:sp>
+        <p:nvSpPr>
+          <p:cNvPr id="5249" name="Right Triangle 5248">
+            <a:extLst>
+              <a:ext uri="{FF2B5EF4-FFF2-40B4-BE49-F238E27FC236}">
+                <a16:creationId xmlns:a16="http://schemas.microsoft.com/office/drawing/2014/main" id="{830A36F8-48C2-4842-A87B-8CE8DF4E7FD2}"/>
+              </a:ext>
+              <a:ext uri="{C183D7F6-B498-43B3-948B-1728B52AA6E4}">
+                <adec:decorative xmlns:adec="http://schemas.microsoft.com/office/drawing/2017/decorative" val="1"/>
+              </a:ext>
+            </a:extLst>
+          </p:cNvPr>
+          <p:cNvSpPr>
+            <a:spLocks noGrp="1" noRot="1" noChangeAspect="1" noMove="1" noResize="1" noEditPoints="1" noAdjustHandles="1" noChangeArrowheads="1" noChangeShapeType="1" noTextEdit="1"/>
+          </p:cNvSpPr>
+          <p:nvPr>
+            <p:extLst>
+              <p:ext uri="{386F3935-93C4-4BCD-93E2-E3B085C9AB24}">
+                <p16:designElem xmlns:p16="http://schemas.microsoft.com/office/powerpoint/2015/main" val="1"/>
+              </p:ext>
+            </p:extLst>
+          </p:nvPr>
+        </p:nvSpPr>
+        <p:spPr>
+          <a:xfrm flipH="1">
+            <a:off x="8576720" y="3335867"/>
+            <a:ext cx="3291840" cy="3200400"/>
+          </a:xfrm>
+          <a:prstGeom prst="rtTriangle">
+            <a:avLst/>
+          </a:prstGeom>
+          <a:solidFill>
+            <a:schemeClr val="accent4"/>
+          </a:solidFill>
+          <a:ln>
+            <a:noFill/>
+          </a:ln>
+        </p:spPr>
+        <p:style>
+          <a:lnRef idx="2">
+            <a:schemeClr val="accent1">
+              <a:shade val="50000"/>
+            </a:schemeClr>
+          </a:lnRef>
+          <a:fillRef idx="1">
+            <a:schemeClr val="accent1"/>
+          </a:fillRef>
+          <a:effectRef idx="0">
+            <a:schemeClr val="accent1"/>
+          </a:effectRef>
+          <a:fontRef idx="minor">
+            <a:schemeClr val="lt1"/>
+          </a:fontRef>
+        </p:style>
+        <p:txBody>
+          <a:bodyPr rtlCol="0" anchor="ctr"/>
+          <a:lstStyle/>
+          <a:p>
+            <a:pPr algn="ctr"/>
+            <a:endParaRPr lang="en-US" dirty="0"/>
+          </a:p>
+        </p:txBody>
+      </p:sp>
+      <p:sp>
+        <p:nvSpPr>
+          <p:cNvPr id="5251" name="Rectangle 5250">
+            <a:extLst>
+              <a:ext uri="{FF2B5EF4-FFF2-40B4-BE49-F238E27FC236}">
+                <a16:creationId xmlns:a16="http://schemas.microsoft.com/office/drawing/2014/main" id="{8F451A30-466B-4996-9BA5-CD6ABCC6D558}"/>
+              </a:ext>
+              <a:ext uri="{C183D7F6-B498-43B3-948B-1728B52AA6E4}">
+                <adec:decorative xmlns:adec="http://schemas.microsoft.com/office/drawing/2017/decorative" val="1"/>
+              </a:ext>
+            </a:extLst>
+          </p:cNvPr>
+          <p:cNvSpPr>
+            <a:spLocks noGrp="1" noRot="1" noChangeAspect="1" noMove="1" noResize="1" noEditPoints="1" noAdjustHandles="1" noChangeArrowheads="1" noChangeShapeType="1" noTextEdit="1"/>
+          </p:cNvSpPr>
+          <p:nvPr>
+            <p:extLst>
+              <p:ext uri="{386F3935-93C4-4BCD-93E2-E3B085C9AB24}">
+                <p16:designElem xmlns:p16="http://schemas.microsoft.com/office/powerpoint/2015/main" val="1"/>
+              </p:ext>
+            </p:extLst>
+          </p:nvPr>
+        </p:nvSpPr>
+        <p:spPr>
+          <a:xfrm>
+            <a:off x="641774" y="623275"/>
+            <a:ext cx="10905053" cy="5607882"/>
+          </a:xfrm>
+          <a:prstGeom prst="rect">
+            <a:avLst/>
+          </a:prstGeom>
+          <a:noFill/>
+          <a:ln w="19050">
+            <a:solidFill>
+              <a:schemeClr val="tx1">
+                <a:lumMod val="75000"/>
+                <a:lumOff val="25000"/>
+              </a:schemeClr>
+            </a:solidFill>
+          </a:ln>
+        </p:spPr>
+        <p:style>
+          <a:lnRef idx="2">
+            <a:schemeClr val="accent1">
+              <a:shade val="50000"/>
+            </a:schemeClr>
+          </a:lnRef>
+          <a:fillRef idx="1">
+            <a:schemeClr val="accent1"/>
+          </a:fillRef>
+          <a:effectRef idx="0">
+            <a:schemeClr val="accent1"/>
+          </a:effectRef>
+          <a:fontRef idx="minor">
+            <a:schemeClr val="lt1"/>
+          </a:fontRef>
+        </p:style>
+        <p:txBody>
+          <a:bodyPr rtlCol="0" anchor="ctr"/>
+          <a:lstStyle/>
+          <a:p>
+            <a:pPr algn="ctr"/>
+            <a:endParaRPr lang="en-US"/>
+          </a:p>
+        </p:txBody>
+      </p:sp>
+      <p:sp>
+        <p:nvSpPr>
+          <p:cNvPr id="2" name="Title 1">
+            <a:extLst>
+              <a:ext uri="{FF2B5EF4-FFF2-40B4-BE49-F238E27FC236}">
+                <a16:creationId xmlns:a16="http://schemas.microsoft.com/office/drawing/2014/main" id="{D4D41ABF-5363-2906-20A1-15F0EC772662}"/>
+              </a:ext>
+            </a:extLst>
+          </p:cNvPr>
+          <p:cNvSpPr>
+            <a:spLocks noGrp="1"/>
+          </p:cNvSpPr>
+          <p:nvPr>
+            <p:ph type="title"/>
+          </p:nvPr>
+        </p:nvSpPr>
+        <p:spPr>
+          <a:xfrm>
+            <a:off x="1123356" y="1188637"/>
+            <a:ext cx="9984615" cy="1597228"/>
+          </a:xfrm>
+        </p:spPr>
+        <p:txBody>
+          <a:bodyPr>
+            <a:normAutofit/>
+          </a:bodyPr>
+          <a:lstStyle/>
+          <a:p>
+            <a:r>
+              <a:rPr lang="fr-CA" sz="6000"/>
+              <a:t>Ajout coéquipier</a:t>
+            </a:r>
+          </a:p>
+        </p:txBody>
+      </p:sp>
+      <p:pic>
+        <p:nvPicPr>
+          <p:cNvPr id="6" name="Picture 5">
+            <a:extLst>
+              <a:ext uri="{FF2B5EF4-FFF2-40B4-BE49-F238E27FC236}">
+                <a16:creationId xmlns:a16="http://schemas.microsoft.com/office/drawing/2014/main" id="{27207826-0011-82F7-570D-25B1094EB502}"/>
+              </a:ext>
+            </a:extLst>
+          </p:cNvPr>
+          <p:cNvPicPr>
+            <a:picLocks noChangeAspect="1"/>
+          </p:cNvPicPr>
+          <p:nvPr/>
+        </p:nvPicPr>
+        <p:blipFill>
+          <a:blip r:embed="rId2"/>
+          <a:stretch>
+            <a:fillRect/>
+          </a:stretch>
+        </p:blipFill>
+        <p:spPr>
+          <a:xfrm>
+            <a:off x="1123357" y="3538687"/>
+            <a:ext cx="3533985" cy="1687477"/>
+          </a:xfrm>
+          <a:prstGeom prst="rect">
+            <a:avLst/>
+          </a:prstGeom>
+        </p:spPr>
+      </p:pic>
+      <p:sp>
+        <p:nvSpPr>
+          <p:cNvPr id="3" name="Content Placeholder 2">
+            <a:extLst>
+              <a:ext uri="{FF2B5EF4-FFF2-40B4-BE49-F238E27FC236}">
+                <a16:creationId xmlns:a16="http://schemas.microsoft.com/office/drawing/2014/main" id="{778530A6-3BB2-E79E-E71E-F3CC518CC24B}"/>
+              </a:ext>
+            </a:extLst>
+          </p:cNvPr>
+          <p:cNvSpPr>
+            <a:spLocks noGrp="1"/>
+          </p:cNvSpPr>
+          <p:nvPr>
+            <p:ph idx="1"/>
+          </p:nvPr>
+        </p:nvSpPr>
+        <p:spPr>
+          <a:xfrm>
+            <a:off x="5255260" y="2998278"/>
+            <a:ext cx="4238257" cy="2728198"/>
+          </a:xfrm>
+        </p:spPr>
+        <p:txBody>
+          <a:bodyPr anchor="t">
+            <a:normAutofit/>
+          </a:bodyPr>
+          <a:lstStyle/>
+          <a:p>
+            <a:r>
+              <a:rPr lang="fr-FR" sz="2000"/>
+              <a:t>Aller sur GitHub</a:t>
+            </a:r>
+          </a:p>
+          <a:p>
+            <a:r>
+              <a:rPr lang="fr-FR" sz="2000"/>
+              <a:t>Aller sur les Paramètres</a:t>
+            </a:r>
+          </a:p>
+          <a:p>
+            <a:r>
+              <a:rPr lang="fr-FR" sz="2000"/>
+              <a:t>Aller sur Collaborateurs</a:t>
+            </a:r>
+          </a:p>
+          <a:p>
+            <a:r>
+              <a:rPr lang="fr-FR" sz="2000"/>
+              <a:t>Ajouter l’adresse de la personne</a:t>
+            </a:r>
+          </a:p>
+          <a:p>
+            <a:endParaRPr lang="fr-FR" sz="2000"/>
+          </a:p>
+        </p:txBody>
+      </p:sp>
+    </p:spTree>
+    <p:extLst>
+      <p:ext uri="{BB962C8B-B14F-4D97-AF65-F5344CB8AC3E}">
+        <p14:creationId xmlns:p14="http://schemas.microsoft.com/office/powerpoint/2010/main" val="3389611219"/>
+      </p:ext>
+    </p:extLst>
+  </p:cSld>
+  <p:clrMapOvr>
+    <a:masterClrMapping/>
+  </p:clrMapOvr>
+</p:sld>
+</file>
+
+<file path=ppt/slides/slide22.xml><?xml version="1.0" encoding="utf-8"?>
+<p:sld xmlns:a="http://schemas.openxmlformats.org/drawingml/2006/main" xmlns:r="http://schemas.openxmlformats.org/officeDocument/2006/relationships" xmlns:p="http://schemas.openxmlformats.org/presentationml/2006/main">
+  <p:cSld>
+    <p:bg>
+      <p:bgPr>
+        <a:solidFill>
+          <a:schemeClr val="bg1"/>
+        </a:solidFill>
+        <a:effectLst/>
+      </p:bgPr>
+    </p:bg>
+    <p:spTree>
+      <p:nvGrpSpPr>
+        <p:cNvPr id="1" name=""/>
+        <p:cNvGrpSpPr/>
+        <p:nvPr/>
+      </p:nvGrpSpPr>
+      <p:grpSpPr>
+        <a:xfrm>
+          <a:off x="0" y="0"/>
+          <a:ext cx="0" cy="0"/>
+          <a:chOff x="0" y="0"/>
+          <a:chExt cx="0" cy="0"/>
+        </a:xfrm>
+      </p:grpSpPr>
+      <p:sp useBgFill="1">
+        <p:nvSpPr>
+          <p:cNvPr id="5238" name="Rectangle 5237">
+            <a:extLst>
+              <a:ext uri="{FF2B5EF4-FFF2-40B4-BE49-F238E27FC236}">
+                <a16:creationId xmlns:a16="http://schemas.microsoft.com/office/drawing/2014/main" id="{9D25F302-27C5-414F-97F8-6EA0A6C028BA}"/>
+              </a:ext>
+              <a:ext uri="{C183D7F6-B498-43B3-948B-1728B52AA6E4}">
+                <adec:decorative xmlns:adec="http://schemas.microsoft.com/office/drawing/2017/decorative" val="1"/>
+              </a:ext>
+            </a:extLst>
+          </p:cNvPr>
+          <p:cNvSpPr>
+            <a:spLocks noGrp="1" noRot="1" noChangeAspect="1" noMove="1" noResize="1" noEditPoints="1" noAdjustHandles="1" noChangeArrowheads="1" noChangeShapeType="1" noTextEdit="1"/>
+          </p:cNvSpPr>
+          <p:nvPr>
+            <p:extLst>
+              <p:ext uri="{386F3935-93C4-4BCD-93E2-E3B085C9AB24}">
+                <p16:designElem xmlns:p16="http://schemas.microsoft.com/office/powerpoint/2015/main" val="1"/>
+              </p:ext>
+            </p:extLst>
+          </p:nvPr>
+        </p:nvSpPr>
+        <p:spPr>
+          <a:xfrm>
+            <a:off x="0" y="0"/>
+            <a:ext cx="12192000" cy="6858000"/>
+          </a:xfrm>
+          <a:prstGeom prst="rect">
+            <a:avLst/>
+          </a:prstGeom>
+          <a:ln>
+            <a:noFill/>
+          </a:ln>
+        </p:spPr>
+        <p:style>
+          <a:lnRef idx="2">
+            <a:schemeClr val="accent1">
+              <a:shade val="50000"/>
+            </a:schemeClr>
+          </a:lnRef>
+          <a:fillRef idx="1">
+            <a:schemeClr val="accent1"/>
+          </a:fillRef>
+          <a:effectRef idx="0">
+            <a:schemeClr val="accent1"/>
+          </a:effectRef>
+          <a:fontRef idx="minor">
+            <a:schemeClr val="lt1"/>
+          </a:fontRef>
+        </p:style>
+        <p:txBody>
+          <a:bodyPr rtlCol="0" anchor="ctr"/>
+          <a:lstStyle/>
+          <a:p>
+            <a:pPr algn="ctr"/>
+            <a:endParaRPr lang="en-US"/>
+          </a:p>
+        </p:txBody>
+      </p:sp>
+      <p:sp>
+        <p:nvSpPr>
+          <p:cNvPr id="5240" name="Right Triangle 5239">
+            <a:extLst>
+              <a:ext uri="{FF2B5EF4-FFF2-40B4-BE49-F238E27FC236}">
+                <a16:creationId xmlns:a16="http://schemas.microsoft.com/office/drawing/2014/main" id="{830A36F8-48C2-4842-A87B-8CE8DF4E7FD2}"/>
+              </a:ext>
+              <a:ext uri="{C183D7F6-B498-43B3-948B-1728B52AA6E4}">
+                <adec:decorative xmlns:adec="http://schemas.microsoft.com/office/drawing/2017/decorative" val="1"/>
+              </a:ext>
+            </a:extLst>
+          </p:cNvPr>
+          <p:cNvSpPr>
+            <a:spLocks noGrp="1" noRot="1" noChangeAspect="1" noMove="1" noResize="1" noEditPoints="1" noAdjustHandles="1" noChangeArrowheads="1" noChangeShapeType="1" noTextEdit="1"/>
+          </p:cNvSpPr>
+          <p:nvPr>
+            <p:extLst>
+              <p:ext uri="{386F3935-93C4-4BCD-93E2-E3B085C9AB24}">
+                <p16:designElem xmlns:p16="http://schemas.microsoft.com/office/powerpoint/2015/main" val="1"/>
+              </p:ext>
+            </p:extLst>
+          </p:nvPr>
+        </p:nvSpPr>
+        <p:spPr>
+          <a:xfrm flipH="1">
+            <a:off x="8576720" y="3335867"/>
+            <a:ext cx="3291840" cy="3200400"/>
+          </a:xfrm>
+          <a:prstGeom prst="rtTriangle">
+            <a:avLst/>
+          </a:prstGeom>
+          <a:solidFill>
+            <a:schemeClr val="accent4"/>
+          </a:solidFill>
+          <a:ln>
+            <a:noFill/>
+          </a:ln>
+        </p:spPr>
+        <p:style>
+          <a:lnRef idx="2">
+            <a:schemeClr val="accent1">
+              <a:shade val="50000"/>
+            </a:schemeClr>
+          </a:lnRef>
+          <a:fillRef idx="1">
+            <a:schemeClr val="accent1"/>
+          </a:fillRef>
+          <a:effectRef idx="0">
+            <a:schemeClr val="accent1"/>
+          </a:effectRef>
+          <a:fontRef idx="minor">
+            <a:schemeClr val="lt1"/>
+          </a:fontRef>
+        </p:style>
+        <p:txBody>
+          <a:bodyPr rtlCol="0" anchor="ctr"/>
+          <a:lstStyle/>
+          <a:p>
+            <a:pPr algn="ctr"/>
+            <a:endParaRPr lang="en-US" dirty="0"/>
+          </a:p>
+        </p:txBody>
+      </p:sp>
+      <p:sp>
+        <p:nvSpPr>
+          <p:cNvPr id="5242" name="Rectangle 5241">
+            <a:extLst>
+              <a:ext uri="{FF2B5EF4-FFF2-40B4-BE49-F238E27FC236}">
+                <a16:creationId xmlns:a16="http://schemas.microsoft.com/office/drawing/2014/main" id="{7F488E8B-4E1E-4402-8935-D4E6C02615C7}"/>
+              </a:ext>
+              <a:ext uri="{C183D7F6-B498-43B3-948B-1728B52AA6E4}">
+                <adec:decorative xmlns:adec="http://schemas.microsoft.com/office/drawing/2017/decorative" val="1"/>
+              </a:ext>
+            </a:extLst>
+          </p:cNvPr>
+          <p:cNvSpPr>
+            <a:spLocks noGrp="1" noRot="1" noChangeAspect="1" noMove="1" noResize="1" noEditPoints="1" noAdjustHandles="1" noChangeArrowheads="1" noChangeShapeType="1" noTextEdit="1"/>
+          </p:cNvSpPr>
+          <p:nvPr>
+            <p:extLst>
+              <p:ext uri="{386F3935-93C4-4BCD-93E2-E3B085C9AB24}">
+                <p16:designElem xmlns:p16="http://schemas.microsoft.com/office/powerpoint/2015/main" val="1"/>
+              </p:ext>
+            </p:extLst>
+          </p:nvPr>
+        </p:nvSpPr>
+        <p:spPr>
+          <a:xfrm>
+            <a:off x="4976029" y="623275"/>
+            <a:ext cx="6570797" cy="5607882"/>
+          </a:xfrm>
+          <a:prstGeom prst="rect">
+            <a:avLst/>
+          </a:prstGeom>
+          <a:noFill/>
+          <a:ln w="19050">
+            <a:solidFill>
+              <a:schemeClr val="tx1">
+                <a:lumMod val="75000"/>
+                <a:lumOff val="25000"/>
+              </a:schemeClr>
+            </a:solidFill>
+          </a:ln>
+        </p:spPr>
+        <p:style>
+          <a:lnRef idx="2">
+            <a:schemeClr val="accent1">
+              <a:shade val="50000"/>
+            </a:schemeClr>
+          </a:lnRef>
+          <a:fillRef idx="1">
+            <a:schemeClr val="accent1"/>
+          </a:fillRef>
+          <a:effectRef idx="0">
+            <a:schemeClr val="accent1"/>
+          </a:effectRef>
+          <a:fontRef idx="minor">
+            <a:schemeClr val="lt1"/>
+          </a:fontRef>
+        </p:style>
+        <p:txBody>
+          <a:bodyPr rtlCol="0" anchor="ctr"/>
+          <a:lstStyle/>
+          <a:p>
+            <a:pPr algn="ctr"/>
+            <a:endParaRPr lang="en-US"/>
+          </a:p>
+        </p:txBody>
+      </p:sp>
+      <p:sp>
+        <p:nvSpPr>
+          <p:cNvPr id="2" name="Title 1">
+            <a:extLst>
+              <a:ext uri="{FF2B5EF4-FFF2-40B4-BE49-F238E27FC236}">
+                <a16:creationId xmlns:a16="http://schemas.microsoft.com/office/drawing/2014/main" id="{D4D41ABF-5363-2906-20A1-15F0EC772662}"/>
+              </a:ext>
+            </a:extLst>
+          </p:cNvPr>
+          <p:cNvSpPr>
+            <a:spLocks noGrp="1"/>
+          </p:cNvSpPr>
+          <p:nvPr>
+            <p:ph type="title"/>
+          </p:nvPr>
+        </p:nvSpPr>
+        <p:spPr>
+          <a:xfrm>
+            <a:off x="5465659" y="1188637"/>
+            <a:ext cx="5642312" cy="1597228"/>
+          </a:xfrm>
+        </p:spPr>
+        <p:txBody>
+          <a:bodyPr>
+            <a:normAutofit/>
+          </a:bodyPr>
+          <a:lstStyle/>
+          <a:p>
+            <a:r>
+              <a:rPr lang="fr-CA" sz="5400" dirty="0"/>
+              <a:t>git pull</a:t>
+            </a:r>
+          </a:p>
+        </p:txBody>
+      </p:sp>
+      <p:sp>
+        <p:nvSpPr>
+          <p:cNvPr id="3" name="Content Placeholder 2">
+            <a:extLst>
+              <a:ext uri="{FF2B5EF4-FFF2-40B4-BE49-F238E27FC236}">
+                <a16:creationId xmlns:a16="http://schemas.microsoft.com/office/drawing/2014/main" id="{778530A6-3BB2-E79E-E71E-F3CC518CC24B}"/>
+              </a:ext>
+            </a:extLst>
+          </p:cNvPr>
+          <p:cNvSpPr>
+            <a:spLocks noGrp="1"/>
+          </p:cNvSpPr>
+          <p:nvPr>
+            <p:ph idx="1"/>
+          </p:nvPr>
+        </p:nvSpPr>
+        <p:spPr>
+          <a:xfrm>
+            <a:off x="5465660" y="2998278"/>
+            <a:ext cx="4505654" cy="2728198"/>
+          </a:xfrm>
+        </p:spPr>
+        <p:txBody>
+          <a:bodyPr anchor="t">
+            <a:normAutofit/>
+          </a:bodyPr>
+          <a:lstStyle/>
+          <a:p>
+            <a:r>
+              <a:rPr lang="fr-FR" sz="2400" dirty="0"/>
+              <a:t>Pour récupérer et fusionner les changements depuis un dépôt distant dans votre branche locale.</a:t>
+            </a:r>
+          </a:p>
+          <a:p>
+            <a:endParaRPr lang="fr-FR" sz="2400" dirty="0"/>
+          </a:p>
+          <a:p>
+            <a:r>
+              <a:rPr lang="fr-FR" sz="2400" dirty="0"/>
+              <a:t>Mathis(Ajoute une photo de ton cote comment sa marche)</a:t>
+            </a:r>
+          </a:p>
+        </p:txBody>
+      </p:sp>
+    </p:spTree>
+    <p:extLst>
+      <p:ext uri="{BB962C8B-B14F-4D97-AF65-F5344CB8AC3E}">
+        <p14:creationId xmlns:p14="http://schemas.microsoft.com/office/powerpoint/2010/main" val="3755648331"/>
+      </p:ext>
+    </p:extLst>
+  </p:cSld>
+  <p:clrMapOvr>
+    <a:masterClrMapping/>
+  </p:clrMapOvr>
+</p:sld>
+</file>
+
+<file path=ppt/slides/slide23.xml><?xml version="1.0" encoding="utf-8"?>
+<p:sld xmlns:a="http://schemas.openxmlformats.org/drawingml/2006/main" xmlns:r="http://schemas.openxmlformats.org/officeDocument/2006/relationships" xmlns:p="http://schemas.openxmlformats.org/presentationml/2006/main">
+  <p:cSld>
+    <p:bg>
+      <p:bgPr>
+        <a:solidFill>
+          <a:schemeClr val="bg1"/>
+        </a:solidFill>
+        <a:effectLst/>
+      </p:bgPr>
+    </p:bg>
+    <p:spTree>
+      <p:nvGrpSpPr>
+        <p:cNvPr id="1" name=""/>
+        <p:cNvGrpSpPr/>
+        <p:nvPr/>
+      </p:nvGrpSpPr>
+      <p:grpSpPr>
+        <a:xfrm>
+          <a:off x="0" y="0"/>
+          <a:ext cx="0" cy="0"/>
+          <a:chOff x="0" y="0"/>
+          <a:chExt cx="0" cy="0"/>
+        </a:xfrm>
+      </p:grpSpPr>
+      <p:sp useBgFill="1">
+        <p:nvSpPr>
+          <p:cNvPr id="5238" name="Rectangle 5237">
+            <a:extLst>
+              <a:ext uri="{FF2B5EF4-FFF2-40B4-BE49-F238E27FC236}">
+                <a16:creationId xmlns:a16="http://schemas.microsoft.com/office/drawing/2014/main" id="{9D25F302-27C5-414F-97F8-6EA0A6C028BA}"/>
+              </a:ext>
+              <a:ext uri="{C183D7F6-B498-43B3-948B-1728B52AA6E4}">
+                <adec:decorative xmlns:adec="http://schemas.microsoft.com/office/drawing/2017/decorative" val="1"/>
+              </a:ext>
+            </a:extLst>
+          </p:cNvPr>
+          <p:cNvSpPr>
+            <a:spLocks noGrp="1" noRot="1" noChangeAspect="1" noMove="1" noResize="1" noEditPoints="1" noAdjustHandles="1" noChangeArrowheads="1" noChangeShapeType="1" noTextEdit="1"/>
+          </p:cNvSpPr>
+          <p:nvPr>
+            <p:extLst>
+              <p:ext uri="{386F3935-93C4-4BCD-93E2-E3B085C9AB24}">
+                <p16:designElem xmlns:p16="http://schemas.microsoft.com/office/powerpoint/2015/main" val="1"/>
+              </p:ext>
+            </p:extLst>
+          </p:nvPr>
+        </p:nvSpPr>
+        <p:spPr>
+          <a:xfrm>
+            <a:off x="0" y="0"/>
+            <a:ext cx="12192000" cy="6858000"/>
+          </a:xfrm>
+          <a:prstGeom prst="rect">
+            <a:avLst/>
+          </a:prstGeom>
+          <a:ln>
+            <a:noFill/>
+          </a:ln>
+        </p:spPr>
+        <p:style>
+          <a:lnRef idx="2">
+            <a:schemeClr val="accent1">
+              <a:shade val="50000"/>
+            </a:schemeClr>
+          </a:lnRef>
+          <a:fillRef idx="1">
+            <a:schemeClr val="accent1"/>
+          </a:fillRef>
+          <a:effectRef idx="0">
+            <a:schemeClr val="accent1"/>
+          </a:effectRef>
+          <a:fontRef idx="minor">
+            <a:schemeClr val="lt1"/>
+          </a:fontRef>
+        </p:style>
+        <p:txBody>
+          <a:bodyPr rtlCol="0" anchor="ctr"/>
+          <a:lstStyle/>
+          <a:p>
+            <a:pPr algn="ctr"/>
+            <a:endParaRPr lang="en-US"/>
+          </a:p>
+        </p:txBody>
+      </p:sp>
+      <p:sp>
+        <p:nvSpPr>
+          <p:cNvPr id="5240" name="Right Triangle 5239">
+            <a:extLst>
+              <a:ext uri="{FF2B5EF4-FFF2-40B4-BE49-F238E27FC236}">
+                <a16:creationId xmlns:a16="http://schemas.microsoft.com/office/drawing/2014/main" id="{830A36F8-48C2-4842-A87B-8CE8DF4E7FD2}"/>
+              </a:ext>
+              <a:ext uri="{C183D7F6-B498-43B3-948B-1728B52AA6E4}">
+                <adec:decorative xmlns:adec="http://schemas.microsoft.com/office/drawing/2017/decorative" val="1"/>
+              </a:ext>
+            </a:extLst>
+          </p:cNvPr>
+          <p:cNvSpPr>
+            <a:spLocks noGrp="1" noRot="1" noChangeAspect="1" noMove="1" noResize="1" noEditPoints="1" noAdjustHandles="1" noChangeArrowheads="1" noChangeShapeType="1" noTextEdit="1"/>
+          </p:cNvSpPr>
+          <p:nvPr>
+            <p:extLst>
+              <p:ext uri="{386F3935-93C4-4BCD-93E2-E3B085C9AB24}">
+                <p16:designElem xmlns:p16="http://schemas.microsoft.com/office/powerpoint/2015/main" val="1"/>
+              </p:ext>
+            </p:extLst>
+          </p:nvPr>
+        </p:nvSpPr>
+        <p:spPr>
+          <a:xfrm flipH="1">
+            <a:off x="8576720" y="3335867"/>
+            <a:ext cx="3291840" cy="3200400"/>
+          </a:xfrm>
+          <a:prstGeom prst="rtTriangle">
+            <a:avLst/>
+          </a:prstGeom>
+          <a:solidFill>
+            <a:schemeClr val="accent4"/>
+          </a:solidFill>
+          <a:ln>
+            <a:noFill/>
+          </a:ln>
+        </p:spPr>
+        <p:style>
+          <a:lnRef idx="2">
+            <a:schemeClr val="accent1">
+              <a:shade val="50000"/>
+            </a:schemeClr>
+          </a:lnRef>
+          <a:fillRef idx="1">
+            <a:schemeClr val="accent1"/>
+          </a:fillRef>
+          <a:effectRef idx="0">
+            <a:schemeClr val="accent1"/>
+          </a:effectRef>
+          <a:fontRef idx="minor">
+            <a:schemeClr val="lt1"/>
+          </a:fontRef>
+        </p:style>
+        <p:txBody>
+          <a:bodyPr rtlCol="0" anchor="ctr"/>
+          <a:lstStyle/>
+          <a:p>
+            <a:pPr algn="ctr"/>
+            <a:endParaRPr lang="en-US" dirty="0"/>
+          </a:p>
+        </p:txBody>
+      </p:sp>
+      <p:sp>
+        <p:nvSpPr>
+          <p:cNvPr id="5242" name="Rectangle 5241">
+            <a:extLst>
+              <a:ext uri="{FF2B5EF4-FFF2-40B4-BE49-F238E27FC236}">
+                <a16:creationId xmlns:a16="http://schemas.microsoft.com/office/drawing/2014/main" id="{7F488E8B-4E1E-4402-8935-D4E6C02615C7}"/>
+              </a:ext>
+              <a:ext uri="{C183D7F6-B498-43B3-948B-1728B52AA6E4}">
+                <adec:decorative xmlns:adec="http://schemas.microsoft.com/office/drawing/2017/decorative" val="1"/>
+              </a:ext>
+            </a:extLst>
+          </p:cNvPr>
+          <p:cNvSpPr>
+            <a:spLocks noGrp="1" noRot="1" noChangeAspect="1" noMove="1" noResize="1" noEditPoints="1" noAdjustHandles="1" noChangeArrowheads="1" noChangeShapeType="1" noTextEdit="1"/>
+          </p:cNvSpPr>
+          <p:nvPr>
+            <p:extLst>
+              <p:ext uri="{386F3935-93C4-4BCD-93E2-E3B085C9AB24}">
+                <p16:designElem xmlns:p16="http://schemas.microsoft.com/office/powerpoint/2015/main" val="1"/>
+              </p:ext>
+            </p:extLst>
+          </p:nvPr>
+        </p:nvSpPr>
+        <p:spPr>
+          <a:xfrm>
+            <a:off x="4976029" y="623275"/>
+            <a:ext cx="6570797" cy="5607882"/>
+          </a:xfrm>
+          <a:prstGeom prst="rect">
+            <a:avLst/>
+          </a:prstGeom>
+          <a:noFill/>
+          <a:ln w="19050">
+            <a:solidFill>
+              <a:schemeClr val="tx1">
+                <a:lumMod val="75000"/>
+                <a:lumOff val="25000"/>
+              </a:schemeClr>
+            </a:solidFill>
+          </a:ln>
+        </p:spPr>
+        <p:style>
+          <a:lnRef idx="2">
+            <a:schemeClr val="accent1">
+              <a:shade val="50000"/>
+            </a:schemeClr>
+          </a:lnRef>
+          <a:fillRef idx="1">
+            <a:schemeClr val="accent1"/>
+          </a:fillRef>
+          <a:effectRef idx="0">
+            <a:schemeClr val="accent1"/>
+          </a:effectRef>
+          <a:fontRef idx="minor">
+            <a:schemeClr val="lt1"/>
+          </a:fontRef>
+        </p:style>
+        <p:txBody>
+          <a:bodyPr rtlCol="0" anchor="ctr"/>
+          <a:lstStyle/>
+          <a:p>
+            <a:pPr algn="ctr"/>
+            <a:endParaRPr lang="en-US"/>
+          </a:p>
+        </p:txBody>
+      </p:sp>
+      <p:sp>
+        <p:nvSpPr>
+          <p:cNvPr id="2" name="Title 1">
+            <a:extLst>
+              <a:ext uri="{FF2B5EF4-FFF2-40B4-BE49-F238E27FC236}">
+                <a16:creationId xmlns:a16="http://schemas.microsoft.com/office/drawing/2014/main" id="{D4D41ABF-5363-2906-20A1-15F0EC772662}"/>
+              </a:ext>
+            </a:extLst>
+          </p:cNvPr>
+          <p:cNvSpPr>
+            <a:spLocks noGrp="1"/>
+          </p:cNvSpPr>
+          <p:nvPr>
+            <p:ph type="title"/>
+          </p:nvPr>
+        </p:nvSpPr>
+        <p:spPr>
+          <a:xfrm>
+            <a:off x="5465659" y="1188637"/>
+            <a:ext cx="5642312" cy="1597228"/>
+          </a:xfrm>
+        </p:spPr>
+        <p:txBody>
+          <a:bodyPr>
+            <a:normAutofit/>
+          </a:bodyPr>
+          <a:lstStyle/>
+          <a:p>
+            <a:r>
+              <a:rPr lang="fr-CA" sz="5400" dirty="0"/>
+              <a:t>EXEMPLE CODE</a:t>
+            </a:r>
+          </a:p>
+        </p:txBody>
+      </p:sp>
+      <p:sp>
+        <p:nvSpPr>
+          <p:cNvPr id="3" name="Content Placeholder 2">
+            <a:extLst>
+              <a:ext uri="{FF2B5EF4-FFF2-40B4-BE49-F238E27FC236}">
+                <a16:creationId xmlns:a16="http://schemas.microsoft.com/office/drawing/2014/main" id="{778530A6-3BB2-E79E-E71E-F3CC518CC24B}"/>
+              </a:ext>
+            </a:extLst>
+          </p:cNvPr>
+          <p:cNvSpPr>
+            <a:spLocks noGrp="1"/>
+          </p:cNvSpPr>
+          <p:nvPr>
+            <p:ph idx="1"/>
+          </p:nvPr>
+        </p:nvSpPr>
+        <p:spPr>
+          <a:xfrm>
+            <a:off x="5465660" y="2998278"/>
+            <a:ext cx="4505654" cy="2728198"/>
+          </a:xfrm>
+        </p:spPr>
+        <p:txBody>
+          <a:bodyPr anchor="t">
+            <a:normAutofit/>
+          </a:bodyPr>
+          <a:lstStyle/>
+          <a:p>
+            <a:r>
+              <a:rPr lang="fr-FR" sz="2400" dirty="0"/>
+              <a:t>FAIT LE CODE JAVASCRIPT SUR VSCODE il a mis une </a:t>
+            </a:r>
+            <a:r>
+              <a:rPr lang="fr-FR" sz="2400" dirty="0" err="1"/>
+              <a:t>demo</a:t>
+            </a:r>
+            <a:r>
+              <a:rPr lang="fr-FR" sz="2400" dirty="0"/>
+              <a:t> sur les explications du </a:t>
+            </a:r>
+            <a:r>
+              <a:rPr lang="fr-FR" sz="2400" dirty="0" err="1"/>
+              <a:t>tp</a:t>
+            </a:r>
+            <a:r>
+              <a:rPr lang="fr-FR" sz="2400" dirty="0"/>
+              <a:t> juste copie et fait des </a:t>
+            </a:r>
+            <a:r>
+              <a:rPr lang="fr-FR" sz="2400" dirty="0" err="1"/>
+              <a:t>commits</a:t>
+            </a:r>
+            <a:r>
+              <a:rPr lang="fr-FR" sz="2400" dirty="0"/>
+              <a:t> c tous</a:t>
+            </a:r>
+          </a:p>
+        </p:txBody>
+      </p:sp>
+    </p:spTree>
+    <p:extLst>
+      <p:ext uri="{BB962C8B-B14F-4D97-AF65-F5344CB8AC3E}">
+        <p14:creationId xmlns:p14="http://schemas.microsoft.com/office/powerpoint/2010/main" val="674781484"/>
       </p:ext>
     </p:extLst>
   </p:cSld>

--- a/TP PROJET SCRUMDevSecOps.pptx
+++ b/TP PROJET SCRUMDevSecOps.pptx
@@ -386,7 +386,7 @@
           <a:p>
             <a:fld id="{0B1DA7DE-176E-4672-9CE3-C546C802152D}" type="slidenum">
               <a:rPr lang="fr-CA" smtClean="0"/>
-              <a:t>‹#›</a:t>
+              <a:t>‹N°›</a:t>
             </a:fld>
             <a:endParaRPr lang="fr-CA"/>
           </a:p>
@@ -782,7 +782,7 @@
           <a:p>
             <a:fld id="{C5D4D1DD-EEA2-462B-9039-B6D79DB4BEB6}" type="slidenum">
               <a:rPr lang="fr-CA" smtClean="0"/>
-              <a:t>‹#›</a:t>
+              <a:t>‹N°›</a:t>
             </a:fld>
             <a:endParaRPr lang="fr-CA"/>
           </a:p>
@@ -982,7 +982,7 @@
           <a:p>
             <a:fld id="{C5D4D1DD-EEA2-462B-9039-B6D79DB4BEB6}" type="slidenum">
               <a:rPr lang="fr-CA" smtClean="0"/>
-              <a:t>‹#›</a:t>
+              <a:t>‹N°›</a:t>
             </a:fld>
             <a:endParaRPr lang="fr-CA"/>
           </a:p>
@@ -1192,7 +1192,7 @@
           <a:p>
             <a:fld id="{C5D4D1DD-EEA2-462B-9039-B6D79DB4BEB6}" type="slidenum">
               <a:rPr lang="fr-CA" smtClean="0"/>
-              <a:t>‹#›</a:t>
+              <a:t>‹N°›</a:t>
             </a:fld>
             <a:endParaRPr lang="fr-CA"/>
           </a:p>
@@ -1392,7 +1392,7 @@
           <a:p>
             <a:fld id="{C5D4D1DD-EEA2-462B-9039-B6D79DB4BEB6}" type="slidenum">
               <a:rPr lang="fr-CA" smtClean="0"/>
-              <a:t>‹#›</a:t>
+              <a:t>‹N°›</a:t>
             </a:fld>
             <a:endParaRPr lang="fr-CA"/>
           </a:p>
@@ -1668,7 +1668,7 @@
           <a:p>
             <a:fld id="{C5D4D1DD-EEA2-462B-9039-B6D79DB4BEB6}" type="slidenum">
               <a:rPr lang="fr-CA" smtClean="0"/>
-              <a:t>‹#›</a:t>
+              <a:t>‹N°›</a:t>
             </a:fld>
             <a:endParaRPr lang="fr-CA"/>
           </a:p>
@@ -1936,7 +1936,7 @@
           <a:p>
             <a:fld id="{C5D4D1DD-EEA2-462B-9039-B6D79DB4BEB6}" type="slidenum">
               <a:rPr lang="fr-CA" smtClean="0"/>
-              <a:t>‹#›</a:t>
+              <a:t>‹N°›</a:t>
             </a:fld>
             <a:endParaRPr lang="fr-CA"/>
           </a:p>
@@ -2351,7 +2351,7 @@
           <a:p>
             <a:fld id="{C5D4D1DD-EEA2-462B-9039-B6D79DB4BEB6}" type="slidenum">
               <a:rPr lang="fr-CA" smtClean="0"/>
-              <a:t>‹#›</a:t>
+              <a:t>‹N°›</a:t>
             </a:fld>
             <a:endParaRPr lang="fr-CA"/>
           </a:p>
@@ -2493,7 +2493,7 @@
           <a:p>
             <a:fld id="{C5D4D1DD-EEA2-462B-9039-B6D79DB4BEB6}" type="slidenum">
               <a:rPr lang="fr-CA" smtClean="0"/>
-              <a:t>‹#›</a:t>
+              <a:t>‹N°›</a:t>
             </a:fld>
             <a:endParaRPr lang="fr-CA"/>
           </a:p>
@@ -2606,7 +2606,7 @@
           <a:p>
             <a:fld id="{C5D4D1DD-EEA2-462B-9039-B6D79DB4BEB6}" type="slidenum">
               <a:rPr lang="fr-CA" smtClean="0"/>
-              <a:t>‹#›</a:t>
+              <a:t>‹N°›</a:t>
             </a:fld>
             <a:endParaRPr lang="fr-CA"/>
           </a:p>
@@ -2919,7 +2919,7 @@
           <a:p>
             <a:fld id="{C5D4D1DD-EEA2-462B-9039-B6D79DB4BEB6}" type="slidenum">
               <a:rPr lang="fr-CA" smtClean="0"/>
-              <a:t>‹#›</a:t>
+              <a:t>‹N°›</a:t>
             </a:fld>
             <a:endParaRPr lang="fr-CA"/>
           </a:p>
@@ -3208,7 +3208,7 @@
           <a:p>
             <a:fld id="{C5D4D1DD-EEA2-462B-9039-B6D79DB4BEB6}" type="slidenum">
               <a:rPr lang="fr-CA" smtClean="0"/>
-              <a:t>‹#›</a:t>
+              <a:t>‹N°›</a:t>
             </a:fld>
             <a:endParaRPr lang="fr-CA"/>
           </a:p>
@@ -3487,7 +3487,7 @@
           <a:p>
             <a:fld id="{C5D4D1DD-EEA2-462B-9039-B6D79DB4BEB6}" type="slidenum">
               <a:rPr lang="fr-CA" smtClean="0"/>
-              <a:t>‹#›</a:t>
+              <a:t>‹N°›</a:t>
             </a:fld>
             <a:endParaRPr lang="fr-CA"/>
           </a:p>
@@ -9543,35 +9543,41 @@
           <a:p>
             <a:r>
               <a:rPr lang="fr-FR" sz="2400" dirty="0"/>
-              <a:t>FAIT LE CODE JAVASCRIPT SUR VSCODE il a mis une </a:t>
-            </a:r>
-            <a:r>
-              <a:rPr lang="fr-FR" sz="2400" dirty="0" err="1"/>
-              <a:t>demo</a:t>
-            </a:r>
-            <a:r>
-              <a:rPr lang="fr-FR" sz="2400" dirty="0"/>
-              <a:t> sur les explications du </a:t>
-            </a:r>
-            <a:r>
-              <a:rPr lang="fr-FR" sz="2400" dirty="0" err="1"/>
-              <a:t>tp</a:t>
-            </a:r>
-            <a:r>
-              <a:rPr lang="fr-FR" sz="2400" dirty="0"/>
-              <a:t> juste copie et fait des </a:t>
-            </a:r>
-            <a:r>
-              <a:rPr lang="fr-FR" sz="2400" dirty="0" err="1"/>
-              <a:t>commits</a:t>
-            </a:r>
-            <a:r>
-              <a:rPr lang="fr-FR" sz="2400" dirty="0"/>
-              <a:t> c tous</a:t>
-            </a:r>
-          </a:p>
-        </p:txBody>
-      </p:sp>
+              <a:t>Voici un exemple de code pour une page HTML. Ici nous avons utilisé un Loop pour pouvoir répéter la même chose plusieurs fois sans devoir l’écrire à chaque fois.</a:t>
+            </a:r>
+          </a:p>
+        </p:txBody>
+      </p:sp>
+      <p:pic>
+        <p:nvPicPr>
+          <p:cNvPr id="5" name="Image 4">
+            <a:extLst>
+              <a:ext uri="{FF2B5EF4-FFF2-40B4-BE49-F238E27FC236}">
+                <a16:creationId xmlns:a16="http://schemas.microsoft.com/office/drawing/2014/main" id="{7DDD41F9-F26A-9BF1-54DB-0C5CF9DAF951}"/>
+              </a:ext>
+            </a:extLst>
+          </p:cNvPr>
+          <p:cNvPicPr>
+            <a:picLocks noChangeAspect="1"/>
+          </p:cNvPicPr>
+          <p:nvPr/>
+        </p:nvPicPr>
+        <p:blipFill>
+          <a:blip r:embed="rId2"/>
+          <a:stretch>
+            <a:fillRect/>
+          </a:stretch>
+        </p:blipFill>
+        <p:spPr>
+          <a:xfrm>
+            <a:off x="358195" y="974549"/>
+            <a:ext cx="4294394" cy="4722636"/>
+          </a:xfrm>
+          <a:prstGeom prst="rect">
+            <a:avLst/>
+          </a:prstGeom>
+        </p:spPr>
+      </p:pic>
     </p:spTree>
     <p:extLst>
       <p:ext uri="{BB962C8B-B14F-4D97-AF65-F5344CB8AC3E}">

--- a/TP PROJET SCRUMDevSecOps.pptx
+++ b/TP PROJET SCRUMDevSecOps.pptx
@@ -5,7 +5,7 @@
     <p:sldMasterId id="2147483648" r:id="rId1"/>
   </p:sldMasterIdLst>
   <p:notesMasterIdLst>
-    <p:notesMasterId r:id="rId25"/>
+    <p:notesMasterId r:id="rId28"/>
   </p:notesMasterIdLst>
   <p:sldIdLst>
     <p:sldId id="256" r:id="rId2"/>
@@ -31,6 +31,9 @@
     <p:sldId id="278" r:id="rId22"/>
     <p:sldId id="277" r:id="rId23"/>
     <p:sldId id="279" r:id="rId24"/>
+    <p:sldId id="280" r:id="rId25"/>
+    <p:sldId id="281" r:id="rId26"/>
+    <p:sldId id="282" r:id="rId27"/>
   </p:sldIdLst>
   <p:sldSz cx="12192000" cy="6858000"/>
   <p:notesSz cx="6858000" cy="9144000"/>
@@ -386,7 +389,7 @@
           <a:p>
             <a:fld id="{0B1DA7DE-176E-4672-9CE3-C546C802152D}" type="slidenum">
               <a:rPr lang="fr-CA" smtClean="0"/>
-              <a:t>‹N°›</a:t>
+              <a:t>‹#›</a:t>
             </a:fld>
             <a:endParaRPr lang="fr-CA"/>
           </a:p>
@@ -782,7 +785,7 @@
           <a:p>
             <a:fld id="{C5D4D1DD-EEA2-462B-9039-B6D79DB4BEB6}" type="slidenum">
               <a:rPr lang="fr-CA" smtClean="0"/>
-              <a:t>‹N°›</a:t>
+              <a:t>‹#›</a:t>
             </a:fld>
             <a:endParaRPr lang="fr-CA"/>
           </a:p>
@@ -982,7 +985,7 @@
           <a:p>
             <a:fld id="{C5D4D1DD-EEA2-462B-9039-B6D79DB4BEB6}" type="slidenum">
               <a:rPr lang="fr-CA" smtClean="0"/>
-              <a:t>‹N°›</a:t>
+              <a:t>‹#›</a:t>
             </a:fld>
             <a:endParaRPr lang="fr-CA"/>
           </a:p>
@@ -1192,7 +1195,7 @@
           <a:p>
             <a:fld id="{C5D4D1DD-EEA2-462B-9039-B6D79DB4BEB6}" type="slidenum">
               <a:rPr lang="fr-CA" smtClean="0"/>
-              <a:t>‹N°›</a:t>
+              <a:t>‹#›</a:t>
             </a:fld>
             <a:endParaRPr lang="fr-CA"/>
           </a:p>
@@ -1392,7 +1395,7 @@
           <a:p>
             <a:fld id="{C5D4D1DD-EEA2-462B-9039-B6D79DB4BEB6}" type="slidenum">
               <a:rPr lang="fr-CA" smtClean="0"/>
-              <a:t>‹N°›</a:t>
+              <a:t>‹#›</a:t>
             </a:fld>
             <a:endParaRPr lang="fr-CA"/>
           </a:p>
@@ -1668,7 +1671,7 @@
           <a:p>
             <a:fld id="{C5D4D1DD-EEA2-462B-9039-B6D79DB4BEB6}" type="slidenum">
               <a:rPr lang="fr-CA" smtClean="0"/>
-              <a:t>‹N°›</a:t>
+              <a:t>‹#›</a:t>
             </a:fld>
             <a:endParaRPr lang="fr-CA"/>
           </a:p>
@@ -1936,7 +1939,7 @@
           <a:p>
             <a:fld id="{C5D4D1DD-EEA2-462B-9039-B6D79DB4BEB6}" type="slidenum">
               <a:rPr lang="fr-CA" smtClean="0"/>
-              <a:t>‹N°›</a:t>
+              <a:t>‹#›</a:t>
             </a:fld>
             <a:endParaRPr lang="fr-CA"/>
           </a:p>
@@ -2351,7 +2354,7 @@
           <a:p>
             <a:fld id="{C5D4D1DD-EEA2-462B-9039-B6D79DB4BEB6}" type="slidenum">
               <a:rPr lang="fr-CA" smtClean="0"/>
-              <a:t>‹N°›</a:t>
+              <a:t>‹#›</a:t>
             </a:fld>
             <a:endParaRPr lang="fr-CA"/>
           </a:p>
@@ -2493,7 +2496,7 @@
           <a:p>
             <a:fld id="{C5D4D1DD-EEA2-462B-9039-B6D79DB4BEB6}" type="slidenum">
               <a:rPr lang="fr-CA" smtClean="0"/>
-              <a:t>‹N°›</a:t>
+              <a:t>‹#›</a:t>
             </a:fld>
             <a:endParaRPr lang="fr-CA"/>
           </a:p>
@@ -2606,7 +2609,7 @@
           <a:p>
             <a:fld id="{C5D4D1DD-EEA2-462B-9039-B6D79DB4BEB6}" type="slidenum">
               <a:rPr lang="fr-CA" smtClean="0"/>
-              <a:t>‹N°›</a:t>
+              <a:t>‹#›</a:t>
             </a:fld>
             <a:endParaRPr lang="fr-CA"/>
           </a:p>
@@ -2919,7 +2922,7 @@
           <a:p>
             <a:fld id="{C5D4D1DD-EEA2-462B-9039-B6D79DB4BEB6}" type="slidenum">
               <a:rPr lang="fr-CA" smtClean="0"/>
-              <a:t>‹N°›</a:t>
+              <a:t>‹#›</a:t>
             </a:fld>
             <a:endParaRPr lang="fr-CA"/>
           </a:p>
@@ -3208,7 +3211,7 @@
           <a:p>
             <a:fld id="{C5D4D1DD-EEA2-462B-9039-B6D79DB4BEB6}" type="slidenum">
               <a:rPr lang="fr-CA" smtClean="0"/>
-              <a:t>‹N°›</a:t>
+              <a:t>‹#›</a:t>
             </a:fld>
             <a:endParaRPr lang="fr-CA"/>
           </a:p>
@@ -3487,7 +3490,7 @@
           <a:p>
             <a:fld id="{C5D4D1DD-EEA2-462B-9039-B6D79DB4BEB6}" type="slidenum">
               <a:rPr lang="fr-CA" smtClean="0"/>
-              <a:t>‹N°›</a:t>
+              <a:t>‹#›</a:t>
             </a:fld>
             <a:endParaRPr lang="fr-CA"/>
           </a:p>
@@ -9241,16 +9244,43 @@
             </a:r>
           </a:p>
           <a:p>
+            <a:pPr marL="0" indent="0">
+              <a:buNone/>
+            </a:pPr>
             <a:endParaRPr lang="fr-FR" sz="2400" dirty="0"/>
           </a:p>
-          <a:p>
-            <a:r>
-              <a:rPr lang="fr-FR" sz="2400" dirty="0"/>
-              <a:t>Mathis(Ajoute une photo de ton cote comment sa marche)</a:t>
-            </a:r>
-          </a:p>
-        </p:txBody>
-      </p:sp>
+        </p:txBody>
+      </p:sp>
+      <p:pic>
+        <p:nvPicPr>
+          <p:cNvPr id="4" name="Picture 3">
+            <a:extLst>
+              <a:ext uri="{FF2B5EF4-FFF2-40B4-BE49-F238E27FC236}">
+                <a16:creationId xmlns:a16="http://schemas.microsoft.com/office/drawing/2014/main" id="{F017C600-87AE-7688-745B-A65C55E86580}"/>
+              </a:ext>
+            </a:extLst>
+          </p:cNvPr>
+          <p:cNvPicPr>
+            <a:picLocks noChangeAspect="1"/>
+          </p:cNvPicPr>
+          <p:nvPr/>
+        </p:nvPicPr>
+        <p:blipFill>
+          <a:blip r:embed="rId2"/>
+          <a:stretch>
+            <a:fillRect/>
+          </a:stretch>
+        </p:blipFill>
+        <p:spPr>
+          <a:xfrm>
+            <a:off x="213581" y="2046360"/>
+            <a:ext cx="4288183" cy="2579014"/>
+          </a:xfrm>
+          <a:prstGeom prst="rect">
+            <a:avLst/>
+          </a:prstGeom>
+        </p:spPr>
+      </p:pic>
     </p:spTree>
     <p:extLst>
       <p:ext uri="{BB962C8B-B14F-4D97-AF65-F5344CB8AC3E}">
@@ -9588,6 +9618,1267 @@
   <p:clrMapOvr>
     <a:masterClrMapping/>
   </p:clrMapOvr>
+</p:sld>
+</file>
+
+<file path=ppt/slides/slide24.xml><?xml version="1.0" encoding="utf-8"?>
+<p:sld xmlns:a="http://schemas.openxmlformats.org/drawingml/2006/main" xmlns:r="http://schemas.openxmlformats.org/officeDocument/2006/relationships" xmlns:p="http://schemas.openxmlformats.org/presentationml/2006/main">
+  <p:cSld>
+    <p:bg>
+      <p:bgPr>
+        <a:solidFill>
+          <a:schemeClr val="bg1"/>
+        </a:solidFill>
+        <a:effectLst/>
+      </p:bgPr>
+    </p:bg>
+    <p:spTree>
+      <p:nvGrpSpPr>
+        <p:cNvPr id="1" name=""/>
+        <p:cNvGrpSpPr/>
+        <p:nvPr/>
+      </p:nvGrpSpPr>
+      <p:grpSpPr>
+        <a:xfrm>
+          <a:off x="0" y="0"/>
+          <a:ext cx="0" cy="0"/>
+          <a:chOff x="0" y="0"/>
+          <a:chExt cx="0" cy="0"/>
+        </a:xfrm>
+      </p:grpSpPr>
+      <p:sp useBgFill="1">
+        <p:nvSpPr>
+          <p:cNvPr id="5247" name="Rectangle 5246">
+            <a:extLst>
+              <a:ext uri="{FF2B5EF4-FFF2-40B4-BE49-F238E27FC236}">
+                <a16:creationId xmlns:a16="http://schemas.microsoft.com/office/drawing/2014/main" id="{201CC55D-ED54-4C5C-95E6-10947BD1103B}"/>
+              </a:ext>
+              <a:ext uri="{C183D7F6-B498-43B3-948B-1728B52AA6E4}">
+                <adec:decorative xmlns:adec="http://schemas.microsoft.com/office/drawing/2017/decorative" val="1"/>
+              </a:ext>
+            </a:extLst>
+          </p:cNvPr>
+          <p:cNvSpPr>
+            <a:spLocks noGrp="1" noRot="1" noChangeAspect="1" noMove="1" noResize="1" noEditPoints="1" noAdjustHandles="1" noChangeArrowheads="1" noChangeShapeType="1" noTextEdit="1"/>
+          </p:cNvSpPr>
+          <p:nvPr>
+            <p:extLst>
+              <p:ext uri="{386F3935-93C4-4BCD-93E2-E3B085C9AB24}">
+                <p16:designElem xmlns:p16="http://schemas.microsoft.com/office/powerpoint/2015/main" val="1"/>
+              </p:ext>
+            </p:extLst>
+          </p:nvPr>
+        </p:nvSpPr>
+        <p:spPr>
+          <a:xfrm>
+            <a:off x="0" y="0"/>
+            <a:ext cx="12191999" cy="6857365"/>
+          </a:xfrm>
+          <a:prstGeom prst="rect">
+            <a:avLst/>
+          </a:prstGeom>
+          <a:ln>
+            <a:noFill/>
+          </a:ln>
+        </p:spPr>
+        <p:style>
+          <a:lnRef idx="2">
+            <a:schemeClr val="accent1">
+              <a:shade val="50000"/>
+            </a:schemeClr>
+          </a:lnRef>
+          <a:fillRef idx="1">
+            <a:schemeClr val="accent1"/>
+          </a:fillRef>
+          <a:effectRef idx="0">
+            <a:schemeClr val="accent1"/>
+          </a:effectRef>
+          <a:fontRef idx="minor">
+            <a:schemeClr val="lt1"/>
+          </a:fontRef>
+        </p:style>
+        <p:txBody>
+          <a:bodyPr rtlCol="0" anchor="ctr"/>
+          <a:lstStyle/>
+          <a:p>
+            <a:pPr algn="ctr"/>
+            <a:endParaRPr lang="en-US"/>
+          </a:p>
+        </p:txBody>
+      </p:sp>
+      <p:sp>
+        <p:nvSpPr>
+          <p:cNvPr id="2" name="Title 1">
+            <a:extLst>
+              <a:ext uri="{FF2B5EF4-FFF2-40B4-BE49-F238E27FC236}">
+                <a16:creationId xmlns:a16="http://schemas.microsoft.com/office/drawing/2014/main" id="{D4D41ABF-5363-2906-20A1-15F0EC772662}"/>
+              </a:ext>
+            </a:extLst>
+          </p:cNvPr>
+          <p:cNvSpPr>
+            <a:spLocks noGrp="1"/>
+          </p:cNvSpPr>
+          <p:nvPr>
+            <p:ph type="title"/>
+          </p:nvPr>
+        </p:nvSpPr>
+        <p:spPr>
+          <a:xfrm>
+            <a:off x="589560" y="856180"/>
+            <a:ext cx="4560584" cy="1128068"/>
+          </a:xfrm>
+        </p:spPr>
+        <p:txBody>
+          <a:bodyPr anchor="ctr">
+            <a:normAutofit/>
+          </a:bodyPr>
+          <a:lstStyle/>
+          <a:p>
+            <a:r>
+              <a:rPr lang="fr-CA" sz="4000" dirty="0"/>
+              <a:t>Résultat</a:t>
+            </a:r>
+          </a:p>
+        </p:txBody>
+      </p:sp>
+      <p:grpSp>
+        <p:nvGrpSpPr>
+          <p:cNvPr id="5249" name="Group 5248">
+            <a:extLst>
+              <a:ext uri="{FF2B5EF4-FFF2-40B4-BE49-F238E27FC236}">
+                <a16:creationId xmlns:a16="http://schemas.microsoft.com/office/drawing/2014/main" id="{1DE889C7-FAD6-4397-98E2-05D503484459}"/>
+              </a:ext>
+              <a:ext uri="{C183D7F6-B498-43B3-948B-1728B52AA6E4}">
+                <adec:decorative xmlns:adec="http://schemas.microsoft.com/office/drawing/2017/decorative" val="1"/>
+              </a:ext>
+            </a:extLst>
+          </p:cNvPr>
+          <p:cNvGrpSpPr>
+            <a:grpSpLocks noGrp="1" noUngrp="1" noRot="1" noChangeAspect="1" noMove="1" noResize="1"/>
+          </p:cNvGrpSpPr>
+          <p:nvPr>
+            <p:extLst>
+              <p:ext uri="{386F3935-93C4-4BCD-93E2-E3B085C9AB24}">
+                <p16:designElem xmlns:p16="http://schemas.microsoft.com/office/powerpoint/2015/main" val="1"/>
+              </p:ext>
+            </p:extLst>
+          </p:nvPr>
+        </p:nvGrpSpPr>
+        <p:grpSpPr>
+          <a:xfrm>
+            <a:off x="0" y="1083484"/>
+            <a:ext cx="355196" cy="673460"/>
+            <a:chOff x="0" y="823811"/>
+            <a:chExt cx="355196" cy="673460"/>
+          </a:xfrm>
+        </p:grpSpPr>
+        <p:sp>
+          <p:nvSpPr>
+            <p:cNvPr id="5250" name="Rectangle 5249">
+              <a:extLst>
+                <a:ext uri="{FF2B5EF4-FFF2-40B4-BE49-F238E27FC236}">
+                  <a16:creationId xmlns:a16="http://schemas.microsoft.com/office/drawing/2014/main" id="{F399A70F-F8CD-4992-9EF5-6CF15472E73F}"/>
+                </a:ext>
+                <a:ext uri="{C183D7F6-B498-43B3-948B-1728B52AA6E4}">
+                  <adec:decorative xmlns:adec="http://schemas.microsoft.com/office/drawing/2017/decorative" val="1"/>
+                </a:ext>
+              </a:extLst>
+            </p:cNvPr>
+            <p:cNvSpPr/>
+            <p:nvPr>
+              <p:extLst>
+                <p:ext uri="{386F3935-93C4-4BCD-93E2-E3B085C9AB24}">
+                  <p16:designElem xmlns:p16="http://schemas.microsoft.com/office/powerpoint/2015/main" val="1"/>
+                </p:ext>
+              </p:extLst>
+            </p:nvPr>
+          </p:nvSpPr>
+          <p:spPr>
+            <a:xfrm>
+              <a:off x="0" y="823811"/>
+              <a:ext cx="87363" cy="673460"/>
+            </a:xfrm>
+            <a:prstGeom prst="rect">
+              <a:avLst/>
+            </a:prstGeom>
+            <a:solidFill>
+              <a:schemeClr val="accent4"/>
+            </a:solidFill>
+            <a:ln>
+              <a:noFill/>
+            </a:ln>
+          </p:spPr>
+          <p:style>
+            <a:lnRef idx="2">
+              <a:schemeClr val="accent1">
+                <a:shade val="50000"/>
+              </a:schemeClr>
+            </a:lnRef>
+            <a:fillRef idx="1">
+              <a:schemeClr val="accent1"/>
+            </a:fillRef>
+            <a:effectRef idx="0">
+              <a:schemeClr val="accent1"/>
+            </a:effectRef>
+            <a:fontRef idx="minor">
+              <a:schemeClr val="lt1"/>
+            </a:fontRef>
+          </p:style>
+          <p:txBody>
+            <a:bodyPr rtlCol="0" anchor="ctr"/>
+            <a:lstStyle/>
+            <a:p>
+              <a:pPr algn="ctr"/>
+              <a:endParaRPr lang="en-US"/>
+            </a:p>
+          </p:txBody>
+        </p:sp>
+        <p:sp>
+          <p:nvSpPr>
+            <p:cNvPr id="5251" name="Rectangle 5250">
+              <a:extLst>
+                <a:ext uri="{FF2B5EF4-FFF2-40B4-BE49-F238E27FC236}">
+                  <a16:creationId xmlns:a16="http://schemas.microsoft.com/office/drawing/2014/main" id="{48F4FEDC-6D80-458C-A665-075D9B9500FD}"/>
+                </a:ext>
+                <a:ext uri="{C183D7F6-B498-43B3-948B-1728B52AA6E4}">
+                  <adec:decorative xmlns:adec="http://schemas.microsoft.com/office/drawing/2017/decorative" val="1"/>
+                </a:ext>
+              </a:extLst>
+            </p:cNvPr>
+            <p:cNvSpPr/>
+            <p:nvPr>
+              <p:extLst>
+                <p:ext uri="{386F3935-93C4-4BCD-93E2-E3B085C9AB24}">
+                  <p16:designElem xmlns:p16="http://schemas.microsoft.com/office/powerpoint/2015/main" val="1"/>
+                </p:ext>
+              </p:extLst>
+            </p:nvPr>
+          </p:nvSpPr>
+          <p:spPr>
+            <a:xfrm>
+              <a:off x="159341" y="823811"/>
+              <a:ext cx="195855" cy="673460"/>
+            </a:xfrm>
+            <a:prstGeom prst="rect">
+              <a:avLst/>
+            </a:prstGeom>
+            <a:solidFill>
+              <a:schemeClr val="accent4"/>
+            </a:solidFill>
+            <a:ln>
+              <a:noFill/>
+            </a:ln>
+          </p:spPr>
+          <p:style>
+            <a:lnRef idx="2">
+              <a:schemeClr val="accent1">
+                <a:shade val="50000"/>
+              </a:schemeClr>
+            </a:lnRef>
+            <a:fillRef idx="1">
+              <a:schemeClr val="accent1"/>
+            </a:fillRef>
+            <a:effectRef idx="0">
+              <a:schemeClr val="accent1"/>
+            </a:effectRef>
+            <a:fontRef idx="minor">
+              <a:schemeClr val="lt1"/>
+            </a:fontRef>
+          </p:style>
+          <p:txBody>
+            <a:bodyPr rtlCol="0" anchor="ctr"/>
+            <a:lstStyle/>
+            <a:p>
+              <a:pPr algn="ctr"/>
+              <a:endParaRPr lang="en-US"/>
+            </a:p>
+          </p:txBody>
+        </p:sp>
+      </p:grpSp>
+      <p:sp>
+        <p:nvSpPr>
+          <p:cNvPr id="5253" name="Rectangle 5252">
+            <a:extLst>
+              <a:ext uri="{FF2B5EF4-FFF2-40B4-BE49-F238E27FC236}">
+                <a16:creationId xmlns:a16="http://schemas.microsoft.com/office/drawing/2014/main" id="{3873B707-463F-40B0-8227-E8CC6C67EB25}"/>
+              </a:ext>
+              <a:ext uri="{C183D7F6-B498-43B3-948B-1728B52AA6E4}">
+                <adec:decorative xmlns:adec="http://schemas.microsoft.com/office/drawing/2017/decorative" val="1"/>
+              </a:ext>
+            </a:extLst>
+          </p:cNvPr>
+          <p:cNvSpPr>
+            <a:spLocks noGrp="1" noRot="1" noChangeAspect="1" noMove="1" noResize="1" noEditPoints="1" noAdjustHandles="1" noChangeArrowheads="1" noChangeShapeType="1" noTextEdit="1"/>
+          </p:cNvSpPr>
+          <p:nvPr>
+            <p:extLst>
+              <p:ext uri="{386F3935-93C4-4BCD-93E2-E3B085C9AB24}">
+                <p16:designElem xmlns:p16="http://schemas.microsoft.com/office/powerpoint/2015/main" val="1"/>
+              </p:ext>
+            </p:extLst>
+          </p:nvPr>
+        </p:nvSpPr>
+        <p:spPr>
+          <a:xfrm flipH="1">
+            <a:off x="665085" y="2090569"/>
+            <a:ext cx="4297680" cy="27432"/>
+          </a:xfrm>
+          <a:prstGeom prst="rect">
+            <a:avLst/>
+          </a:prstGeom>
+          <a:solidFill>
+            <a:schemeClr val="accent4"/>
+          </a:solidFill>
+          <a:ln>
+            <a:noFill/>
+          </a:ln>
+        </p:spPr>
+        <p:style>
+          <a:lnRef idx="2">
+            <a:schemeClr val="accent1">
+              <a:shade val="50000"/>
+            </a:schemeClr>
+          </a:lnRef>
+          <a:fillRef idx="1">
+            <a:schemeClr val="accent1"/>
+          </a:fillRef>
+          <a:effectRef idx="0">
+            <a:schemeClr val="accent1"/>
+          </a:effectRef>
+          <a:fontRef idx="minor">
+            <a:schemeClr val="lt1"/>
+          </a:fontRef>
+        </p:style>
+        <p:txBody>
+          <a:bodyPr rtlCol="0" anchor="ctr"/>
+          <a:lstStyle/>
+          <a:p>
+            <a:pPr algn="ctr"/>
+            <a:endParaRPr lang="en-US"/>
+          </a:p>
+        </p:txBody>
+      </p:sp>
+      <p:sp>
+        <p:nvSpPr>
+          <p:cNvPr id="3" name="Content Placeholder 2">
+            <a:extLst>
+              <a:ext uri="{FF2B5EF4-FFF2-40B4-BE49-F238E27FC236}">
+                <a16:creationId xmlns:a16="http://schemas.microsoft.com/office/drawing/2014/main" id="{778530A6-3BB2-E79E-E71E-F3CC518CC24B}"/>
+              </a:ext>
+            </a:extLst>
+          </p:cNvPr>
+          <p:cNvSpPr>
+            <a:spLocks noGrp="1"/>
+          </p:cNvSpPr>
+          <p:nvPr>
+            <p:ph idx="1"/>
+          </p:nvPr>
+        </p:nvSpPr>
+        <p:spPr>
+          <a:xfrm>
+            <a:off x="590719" y="2330505"/>
+            <a:ext cx="4559425" cy="3979585"/>
+          </a:xfrm>
+        </p:spPr>
+        <p:txBody>
+          <a:bodyPr anchor="ctr">
+            <a:normAutofit/>
+          </a:bodyPr>
+          <a:lstStyle/>
+          <a:p>
+            <a:r>
+              <a:rPr lang="fr-FR" sz="2000" dirty="0"/>
+              <a:t>Voici le résultat</a:t>
+            </a:r>
+          </a:p>
+        </p:txBody>
+      </p:sp>
+      <p:sp>
+        <p:nvSpPr>
+          <p:cNvPr id="5255" name="Rectangle 5254">
+            <a:extLst>
+              <a:ext uri="{FF2B5EF4-FFF2-40B4-BE49-F238E27FC236}">
+                <a16:creationId xmlns:a16="http://schemas.microsoft.com/office/drawing/2014/main" id="{C13237C8-E62C-4F0D-A318-BD6FB6C2D138}"/>
+              </a:ext>
+              <a:ext uri="{C183D7F6-B498-43B3-948B-1728B52AA6E4}">
+                <adec:decorative xmlns:adec="http://schemas.microsoft.com/office/drawing/2017/decorative" val="1"/>
+              </a:ext>
+            </a:extLst>
+          </p:cNvPr>
+          <p:cNvSpPr>
+            <a:spLocks noGrp="1" noRot="1" noChangeAspect="1" noMove="1" noResize="1" noEditPoints="1" noAdjustHandles="1" noChangeArrowheads="1" noChangeShapeType="1" noTextEdit="1"/>
+          </p:cNvSpPr>
+          <p:nvPr>
+            <p:extLst>
+              <p:ext uri="{386F3935-93C4-4BCD-93E2-E3B085C9AB24}">
+                <p16:designElem xmlns:p16="http://schemas.microsoft.com/office/powerpoint/2015/main" val="1"/>
+              </p:ext>
+            </p:extLst>
+          </p:nvPr>
+        </p:nvSpPr>
+        <p:spPr>
+          <a:xfrm flipH="1">
+            <a:off x="10697670" y="0"/>
+            <a:ext cx="1494330" cy="6858000"/>
+          </a:xfrm>
+          <a:prstGeom prst="rect">
+            <a:avLst/>
+          </a:prstGeom>
+          <a:solidFill>
+            <a:schemeClr val="accent4"/>
+          </a:solidFill>
+          <a:ln>
+            <a:noFill/>
+          </a:ln>
+        </p:spPr>
+        <p:style>
+          <a:lnRef idx="2">
+            <a:schemeClr val="accent1">
+              <a:shade val="50000"/>
+            </a:schemeClr>
+          </a:lnRef>
+          <a:fillRef idx="1">
+            <a:schemeClr val="accent1"/>
+          </a:fillRef>
+          <a:effectRef idx="0">
+            <a:schemeClr val="accent1"/>
+          </a:effectRef>
+          <a:fontRef idx="minor">
+            <a:schemeClr val="lt1"/>
+          </a:fontRef>
+        </p:style>
+        <p:txBody>
+          <a:bodyPr rtlCol="0" anchor="ctr"/>
+          <a:lstStyle/>
+          <a:p>
+            <a:pPr algn="ctr"/>
+            <a:endParaRPr lang="en-US"/>
+          </a:p>
+        </p:txBody>
+      </p:sp>
+      <p:sp>
+        <p:nvSpPr>
+          <p:cNvPr id="5257" name="Rectangle 5256">
+            <a:extLst>
+              <a:ext uri="{FF2B5EF4-FFF2-40B4-BE49-F238E27FC236}">
+                <a16:creationId xmlns:a16="http://schemas.microsoft.com/office/drawing/2014/main" id="{19C9EAEA-39D0-4B0E-A0EB-51E7B26740B1}"/>
+              </a:ext>
+              <a:ext uri="{C183D7F6-B498-43B3-948B-1728B52AA6E4}">
+                <adec:decorative xmlns:adec="http://schemas.microsoft.com/office/drawing/2017/decorative" val="1"/>
+              </a:ext>
+            </a:extLst>
+          </p:cNvPr>
+          <p:cNvSpPr>
+            <a:spLocks noGrp="1" noRot="1" noChangeAspect="1" noMove="1" noResize="1" noEditPoints="1" noAdjustHandles="1" noChangeArrowheads="1" noChangeShapeType="1" noTextEdit="1"/>
+          </p:cNvSpPr>
+          <p:nvPr>
+            <p:extLst>
+              <p:ext uri="{386F3935-93C4-4BCD-93E2-E3B085C9AB24}">
+                <p16:designElem xmlns:p16="http://schemas.microsoft.com/office/powerpoint/2015/main" val="1"/>
+              </p:ext>
+            </p:extLst>
+          </p:nvPr>
+        </p:nvSpPr>
+        <p:spPr>
+          <a:xfrm>
+            <a:off x="5685810" y="513853"/>
+            <a:ext cx="6009366" cy="5834577"/>
+          </a:xfrm>
+          <a:prstGeom prst="rect">
+            <a:avLst/>
+          </a:prstGeom>
+          <a:solidFill>
+            <a:schemeClr val="bg1"/>
+          </a:solidFill>
+          <a:ln>
+            <a:noFill/>
+          </a:ln>
+          <a:effectLst>
+            <a:outerShdw blurRad="139700" dist="127000" dir="5400000" algn="t" rotWithShape="0">
+              <a:prstClr val="black">
+                <a:alpha val="15000"/>
+              </a:prstClr>
+            </a:outerShdw>
+          </a:effectLst>
+        </p:spPr>
+        <p:style>
+          <a:lnRef idx="2">
+            <a:schemeClr val="accent1">
+              <a:shade val="50000"/>
+            </a:schemeClr>
+          </a:lnRef>
+          <a:fillRef idx="1">
+            <a:schemeClr val="accent1"/>
+          </a:fillRef>
+          <a:effectRef idx="0">
+            <a:schemeClr val="accent1"/>
+          </a:effectRef>
+          <a:fontRef idx="minor">
+            <a:schemeClr val="lt1"/>
+          </a:fontRef>
+        </p:style>
+        <p:txBody>
+          <a:bodyPr rtlCol="0" anchor="ctr"/>
+          <a:lstStyle/>
+          <a:p>
+            <a:pPr algn="ctr"/>
+            <a:endParaRPr lang="en-US"/>
+          </a:p>
+        </p:txBody>
+      </p:sp>
+      <p:pic>
+        <p:nvPicPr>
+          <p:cNvPr id="6" name="Picture 5">
+            <a:extLst>
+              <a:ext uri="{FF2B5EF4-FFF2-40B4-BE49-F238E27FC236}">
+                <a16:creationId xmlns:a16="http://schemas.microsoft.com/office/drawing/2014/main" id="{731B27D7-DAEE-585A-7D1A-C18C3ECD6032}"/>
+              </a:ext>
+            </a:extLst>
+          </p:cNvPr>
+          <p:cNvPicPr>
+            <a:picLocks noChangeAspect="1"/>
+          </p:cNvPicPr>
+          <p:nvPr/>
+        </p:nvPicPr>
+        <p:blipFill rotWithShape="1">
+          <a:blip r:embed="rId2"/>
+          <a:srcRect r="25212" b="3"/>
+          <a:stretch/>
+        </p:blipFill>
+        <p:spPr>
+          <a:xfrm>
+            <a:off x="5977788" y="799352"/>
+            <a:ext cx="5425410" cy="5259296"/>
+          </a:xfrm>
+          <a:prstGeom prst="rect">
+            <a:avLst/>
+          </a:prstGeom>
+        </p:spPr>
+      </p:pic>
+    </p:spTree>
+    <p:extLst>
+      <p:ext uri="{BB962C8B-B14F-4D97-AF65-F5344CB8AC3E}">
+        <p14:creationId xmlns:p14="http://schemas.microsoft.com/office/powerpoint/2010/main" val="1341495315"/>
+      </p:ext>
+    </p:extLst>
+  </p:cSld>
+  <p:clrMapOvr>
+    <a:masterClrMapping/>
+  </p:clrMapOvr>
+</p:sld>
+</file>
+
+<file path=ppt/slides/slide25.xml><?xml version="1.0" encoding="utf-8"?>
+<p:sld xmlns:a="http://schemas.openxmlformats.org/drawingml/2006/main" xmlns:r="http://schemas.openxmlformats.org/officeDocument/2006/relationships" xmlns:p="http://schemas.openxmlformats.org/presentationml/2006/main">
+  <p:cSld>
+    <p:bg>
+      <p:bgPr>
+        <a:solidFill>
+          <a:schemeClr val="bg1"/>
+        </a:solidFill>
+        <a:effectLst/>
+      </p:bgPr>
+    </p:bg>
+    <p:spTree>
+      <p:nvGrpSpPr>
+        <p:cNvPr id="1" name=""/>
+        <p:cNvGrpSpPr/>
+        <p:nvPr/>
+      </p:nvGrpSpPr>
+      <p:grpSpPr>
+        <a:xfrm>
+          <a:off x="0" y="0"/>
+          <a:ext cx="0" cy="0"/>
+          <a:chOff x="0" y="0"/>
+          <a:chExt cx="0" cy="0"/>
+        </a:xfrm>
+      </p:grpSpPr>
+      <p:sp useBgFill="1">
+        <p:nvSpPr>
+          <p:cNvPr id="5238" name="Rectangle 5237">
+            <a:extLst>
+              <a:ext uri="{FF2B5EF4-FFF2-40B4-BE49-F238E27FC236}">
+                <a16:creationId xmlns:a16="http://schemas.microsoft.com/office/drawing/2014/main" id="{9D25F302-27C5-414F-97F8-6EA0A6C028BA}"/>
+              </a:ext>
+              <a:ext uri="{C183D7F6-B498-43B3-948B-1728B52AA6E4}">
+                <adec:decorative xmlns:adec="http://schemas.microsoft.com/office/drawing/2017/decorative" val="1"/>
+              </a:ext>
+            </a:extLst>
+          </p:cNvPr>
+          <p:cNvSpPr>
+            <a:spLocks noGrp="1" noRot="1" noChangeAspect="1" noMove="1" noResize="1" noEditPoints="1" noAdjustHandles="1" noChangeArrowheads="1" noChangeShapeType="1" noTextEdit="1"/>
+          </p:cNvSpPr>
+          <p:nvPr>
+            <p:extLst>
+              <p:ext uri="{386F3935-93C4-4BCD-93E2-E3B085C9AB24}">
+                <p16:designElem xmlns:p16="http://schemas.microsoft.com/office/powerpoint/2015/main" val="1"/>
+              </p:ext>
+            </p:extLst>
+          </p:nvPr>
+        </p:nvSpPr>
+        <p:spPr>
+          <a:xfrm>
+            <a:off x="0" y="0"/>
+            <a:ext cx="12192000" cy="6858000"/>
+          </a:xfrm>
+          <a:prstGeom prst="rect">
+            <a:avLst/>
+          </a:prstGeom>
+          <a:ln>
+            <a:noFill/>
+          </a:ln>
+        </p:spPr>
+        <p:style>
+          <a:lnRef idx="2">
+            <a:schemeClr val="accent1">
+              <a:shade val="50000"/>
+            </a:schemeClr>
+          </a:lnRef>
+          <a:fillRef idx="1">
+            <a:schemeClr val="accent1"/>
+          </a:fillRef>
+          <a:effectRef idx="0">
+            <a:schemeClr val="accent1"/>
+          </a:effectRef>
+          <a:fontRef idx="minor">
+            <a:schemeClr val="lt1"/>
+          </a:fontRef>
+        </p:style>
+        <p:txBody>
+          <a:bodyPr rtlCol="0" anchor="ctr"/>
+          <a:lstStyle/>
+          <a:p>
+            <a:pPr algn="ctr"/>
+            <a:endParaRPr lang="en-US"/>
+          </a:p>
+        </p:txBody>
+      </p:sp>
+      <p:sp>
+        <p:nvSpPr>
+          <p:cNvPr id="5240" name="Right Triangle 5239">
+            <a:extLst>
+              <a:ext uri="{FF2B5EF4-FFF2-40B4-BE49-F238E27FC236}">
+                <a16:creationId xmlns:a16="http://schemas.microsoft.com/office/drawing/2014/main" id="{830A36F8-48C2-4842-A87B-8CE8DF4E7FD2}"/>
+              </a:ext>
+              <a:ext uri="{C183D7F6-B498-43B3-948B-1728B52AA6E4}">
+                <adec:decorative xmlns:adec="http://schemas.microsoft.com/office/drawing/2017/decorative" val="1"/>
+              </a:ext>
+            </a:extLst>
+          </p:cNvPr>
+          <p:cNvSpPr>
+            <a:spLocks noGrp="1" noRot="1" noChangeAspect="1" noMove="1" noResize="1" noEditPoints="1" noAdjustHandles="1" noChangeArrowheads="1" noChangeShapeType="1" noTextEdit="1"/>
+          </p:cNvSpPr>
+          <p:nvPr>
+            <p:extLst>
+              <p:ext uri="{386F3935-93C4-4BCD-93E2-E3B085C9AB24}">
+                <p16:designElem xmlns:p16="http://schemas.microsoft.com/office/powerpoint/2015/main" val="1"/>
+              </p:ext>
+            </p:extLst>
+          </p:nvPr>
+        </p:nvSpPr>
+        <p:spPr>
+          <a:xfrm flipH="1">
+            <a:off x="8576720" y="3335867"/>
+            <a:ext cx="3291840" cy="3200400"/>
+          </a:xfrm>
+          <a:prstGeom prst="rtTriangle">
+            <a:avLst/>
+          </a:prstGeom>
+          <a:solidFill>
+            <a:schemeClr val="accent4"/>
+          </a:solidFill>
+          <a:ln>
+            <a:noFill/>
+          </a:ln>
+        </p:spPr>
+        <p:style>
+          <a:lnRef idx="2">
+            <a:schemeClr val="accent1">
+              <a:shade val="50000"/>
+            </a:schemeClr>
+          </a:lnRef>
+          <a:fillRef idx="1">
+            <a:schemeClr val="accent1"/>
+          </a:fillRef>
+          <a:effectRef idx="0">
+            <a:schemeClr val="accent1"/>
+          </a:effectRef>
+          <a:fontRef idx="minor">
+            <a:schemeClr val="lt1"/>
+          </a:fontRef>
+        </p:style>
+        <p:txBody>
+          <a:bodyPr rtlCol="0" anchor="ctr"/>
+          <a:lstStyle/>
+          <a:p>
+            <a:pPr algn="ctr"/>
+            <a:endParaRPr lang="en-US" dirty="0"/>
+          </a:p>
+        </p:txBody>
+      </p:sp>
+      <p:sp>
+        <p:nvSpPr>
+          <p:cNvPr id="5242" name="Rectangle 5241">
+            <a:extLst>
+              <a:ext uri="{FF2B5EF4-FFF2-40B4-BE49-F238E27FC236}">
+                <a16:creationId xmlns:a16="http://schemas.microsoft.com/office/drawing/2014/main" id="{7F488E8B-4E1E-4402-8935-D4E6C02615C7}"/>
+              </a:ext>
+              <a:ext uri="{C183D7F6-B498-43B3-948B-1728B52AA6E4}">
+                <adec:decorative xmlns:adec="http://schemas.microsoft.com/office/drawing/2017/decorative" val="1"/>
+              </a:ext>
+            </a:extLst>
+          </p:cNvPr>
+          <p:cNvSpPr>
+            <a:spLocks noGrp="1" noRot="1" noChangeAspect="1" noMove="1" noResize="1" noEditPoints="1" noAdjustHandles="1" noChangeArrowheads="1" noChangeShapeType="1" noTextEdit="1"/>
+          </p:cNvSpPr>
+          <p:nvPr>
+            <p:extLst>
+              <p:ext uri="{386F3935-93C4-4BCD-93E2-E3B085C9AB24}">
+                <p16:designElem xmlns:p16="http://schemas.microsoft.com/office/powerpoint/2015/main" val="1"/>
+              </p:ext>
+            </p:extLst>
+          </p:nvPr>
+        </p:nvSpPr>
+        <p:spPr>
+          <a:xfrm>
+            <a:off x="4976029" y="623275"/>
+            <a:ext cx="6570797" cy="5607882"/>
+          </a:xfrm>
+          <a:prstGeom prst="rect">
+            <a:avLst/>
+          </a:prstGeom>
+          <a:noFill/>
+          <a:ln w="19050">
+            <a:solidFill>
+              <a:schemeClr val="tx1">
+                <a:lumMod val="75000"/>
+                <a:lumOff val="25000"/>
+              </a:schemeClr>
+            </a:solidFill>
+          </a:ln>
+        </p:spPr>
+        <p:style>
+          <a:lnRef idx="2">
+            <a:schemeClr val="accent1">
+              <a:shade val="50000"/>
+            </a:schemeClr>
+          </a:lnRef>
+          <a:fillRef idx="1">
+            <a:schemeClr val="accent1"/>
+          </a:fillRef>
+          <a:effectRef idx="0">
+            <a:schemeClr val="accent1"/>
+          </a:effectRef>
+          <a:fontRef idx="minor">
+            <a:schemeClr val="lt1"/>
+          </a:fontRef>
+        </p:style>
+        <p:txBody>
+          <a:bodyPr rtlCol="0" anchor="ctr"/>
+          <a:lstStyle/>
+          <a:p>
+            <a:pPr algn="ctr"/>
+            <a:endParaRPr lang="en-US"/>
+          </a:p>
+        </p:txBody>
+      </p:sp>
+      <p:sp>
+        <p:nvSpPr>
+          <p:cNvPr id="2" name="Title 1">
+            <a:extLst>
+              <a:ext uri="{FF2B5EF4-FFF2-40B4-BE49-F238E27FC236}">
+                <a16:creationId xmlns:a16="http://schemas.microsoft.com/office/drawing/2014/main" id="{D4D41ABF-5363-2906-20A1-15F0EC772662}"/>
+              </a:ext>
+            </a:extLst>
+          </p:cNvPr>
+          <p:cNvSpPr>
+            <a:spLocks noGrp="1"/>
+          </p:cNvSpPr>
+          <p:nvPr>
+            <p:ph type="title"/>
+          </p:nvPr>
+        </p:nvSpPr>
+        <p:spPr>
+          <a:xfrm>
+            <a:off x="5465659" y="1188637"/>
+            <a:ext cx="5642312" cy="1597228"/>
+          </a:xfrm>
+        </p:spPr>
+        <p:txBody>
+          <a:bodyPr>
+            <a:normAutofit/>
+          </a:bodyPr>
+          <a:lstStyle/>
+          <a:p>
+            <a:r>
+              <a:rPr lang="fr-CA" sz="5400" dirty="0"/>
+              <a:t>Pourquoi intégrer Git dans un projet</a:t>
+            </a:r>
+          </a:p>
+        </p:txBody>
+      </p:sp>
+      <p:sp>
+        <p:nvSpPr>
+          <p:cNvPr id="3" name="Content Placeholder 2">
+            <a:extLst>
+              <a:ext uri="{FF2B5EF4-FFF2-40B4-BE49-F238E27FC236}">
+                <a16:creationId xmlns:a16="http://schemas.microsoft.com/office/drawing/2014/main" id="{778530A6-3BB2-E79E-E71E-F3CC518CC24B}"/>
+              </a:ext>
+            </a:extLst>
+          </p:cNvPr>
+          <p:cNvSpPr>
+            <a:spLocks noGrp="1"/>
+          </p:cNvSpPr>
+          <p:nvPr>
+            <p:ph idx="1"/>
+          </p:nvPr>
+        </p:nvSpPr>
+        <p:spPr>
+          <a:xfrm>
+            <a:off x="5465660" y="2998278"/>
+            <a:ext cx="4505654" cy="2728198"/>
+          </a:xfrm>
+        </p:spPr>
+        <p:txBody>
+          <a:bodyPr anchor="t">
+            <a:normAutofit fontScale="62500" lnSpcReduction="20000"/>
+          </a:bodyPr>
+          <a:lstStyle/>
+          <a:p>
+            <a:r>
+              <a:rPr lang="fr-FR" sz="2400" dirty="0"/>
+              <a:t>L'intégration de Git dans le développement web, y compris pour les fichiers HTML, est essentielle pour les développeurs. Git facilite le suivi des modifications et permet de revenir à des versions antérieures des fichiers. Il améliore la collaboration en permettant à plusieurs développeurs de travailler simultanément sur un projet tout en maintenant la cohérence du code. La gestion des branches permet de développer des fonctionnalités ou des correctifs sans perturber le flux principal. De plus, les pipelines CI/CD automatisent le déploiement, garantissant une livraison continue et fiable. En somme, Git améliore l'efficacité, la qualité et la collaboration dans les équipes de développement web.</a:t>
+            </a:r>
+          </a:p>
+        </p:txBody>
+      </p:sp>
+      <p:pic>
+        <p:nvPicPr>
+          <p:cNvPr id="5" name="Image 4">
+            <a:extLst>
+              <a:ext uri="{FF2B5EF4-FFF2-40B4-BE49-F238E27FC236}">
+                <a16:creationId xmlns:a16="http://schemas.microsoft.com/office/drawing/2014/main" id="{7DDD41F9-F26A-9BF1-54DB-0C5CF9DAF951}"/>
+              </a:ext>
+            </a:extLst>
+          </p:cNvPr>
+          <p:cNvPicPr>
+            <a:picLocks noChangeAspect="1"/>
+          </p:cNvPicPr>
+          <p:nvPr/>
+        </p:nvPicPr>
+        <p:blipFill>
+          <a:blip r:embed="rId2"/>
+          <a:stretch>
+            <a:fillRect/>
+          </a:stretch>
+        </p:blipFill>
+        <p:spPr>
+          <a:xfrm>
+            <a:off x="358195" y="974549"/>
+            <a:ext cx="4294394" cy="4722636"/>
+          </a:xfrm>
+          <a:prstGeom prst="rect">
+            <a:avLst/>
+          </a:prstGeom>
+        </p:spPr>
+      </p:pic>
+    </p:spTree>
+    <p:extLst>
+      <p:ext uri="{BB962C8B-B14F-4D97-AF65-F5344CB8AC3E}">
+        <p14:creationId xmlns:p14="http://schemas.microsoft.com/office/powerpoint/2010/main" val="1977596966"/>
+      </p:ext>
+    </p:extLst>
+  </p:cSld>
+  <p:clrMapOvr>
+    <a:masterClrMapping/>
+  </p:clrMapOvr>
+</p:sld>
+</file>
+
+<file path=ppt/slides/slide26.xml><?xml version="1.0" encoding="utf-8"?>
+<p:sld xmlns:a="http://schemas.openxmlformats.org/drawingml/2006/main" xmlns:r="http://schemas.openxmlformats.org/officeDocument/2006/relationships" xmlns:p="http://schemas.openxmlformats.org/presentationml/2006/main">
+  <p:cSld>
+    <p:bg>
+      <p:bgPr>
+        <a:solidFill>
+          <a:schemeClr val="bg1"/>
+        </a:solidFill>
+        <a:effectLst/>
+      </p:bgPr>
+    </p:bg>
+    <p:spTree>
+      <p:nvGrpSpPr>
+        <p:cNvPr id="1" name=""/>
+        <p:cNvGrpSpPr/>
+        <p:nvPr/>
+      </p:nvGrpSpPr>
+      <p:grpSpPr>
+        <a:xfrm>
+          <a:off x="0" y="0"/>
+          <a:ext cx="0" cy="0"/>
+          <a:chOff x="0" y="0"/>
+          <a:chExt cx="0" cy="0"/>
+        </a:xfrm>
+      </p:grpSpPr>
+      <p:sp useBgFill="1">
+        <p:nvSpPr>
+          <p:cNvPr id="5247" name="Rectangle 5246">
+            <a:extLst>
+              <a:ext uri="{FF2B5EF4-FFF2-40B4-BE49-F238E27FC236}">
+                <a16:creationId xmlns:a16="http://schemas.microsoft.com/office/drawing/2014/main" id="{04812C46-200A-4DEB-A05E-3ED6C68C2387}"/>
+              </a:ext>
+              <a:ext uri="{C183D7F6-B498-43B3-948B-1728B52AA6E4}">
+                <adec:decorative xmlns:adec="http://schemas.microsoft.com/office/drawing/2017/decorative" val="1"/>
+              </a:ext>
+            </a:extLst>
+          </p:cNvPr>
+          <p:cNvSpPr>
+            <a:spLocks noGrp="1" noRot="1" noChangeAspect="1" noMove="1" noResize="1" noEditPoints="1" noAdjustHandles="1" noChangeArrowheads="1" noChangeShapeType="1" noTextEdit="1"/>
+          </p:cNvSpPr>
+          <p:nvPr>
+            <p:extLst>
+              <p:ext uri="{386F3935-93C4-4BCD-93E2-E3B085C9AB24}">
+                <p16:designElem xmlns:p16="http://schemas.microsoft.com/office/powerpoint/2015/main" val="1"/>
+              </p:ext>
+            </p:extLst>
+          </p:nvPr>
+        </p:nvSpPr>
+        <p:spPr>
+          <a:xfrm>
+            <a:off x="3049" y="0"/>
+            <a:ext cx="12188952" cy="6858000"/>
+          </a:xfrm>
+          <a:prstGeom prst="rect">
+            <a:avLst/>
+          </a:prstGeom>
+          <a:ln>
+            <a:noFill/>
+          </a:ln>
+        </p:spPr>
+        <p:style>
+          <a:lnRef idx="2">
+            <a:schemeClr val="accent1">
+              <a:shade val="50000"/>
+            </a:schemeClr>
+          </a:lnRef>
+          <a:fillRef idx="1">
+            <a:schemeClr val="accent1"/>
+          </a:fillRef>
+          <a:effectRef idx="0">
+            <a:schemeClr val="accent1"/>
+          </a:effectRef>
+          <a:fontRef idx="minor">
+            <a:schemeClr val="lt1"/>
+          </a:fontRef>
+        </p:style>
+        <p:txBody>
+          <a:bodyPr rtlCol="0" anchor="ctr"/>
+          <a:lstStyle/>
+          <a:p>
+            <a:pPr algn="ctr"/>
+            <a:endParaRPr lang="en-US"/>
+          </a:p>
+        </p:txBody>
+      </p:sp>
+      <p:pic>
+        <p:nvPicPr>
+          <p:cNvPr id="6" name="Picture 5" descr="A blue background with white text">
+            <a:extLst>
+              <a:ext uri="{FF2B5EF4-FFF2-40B4-BE49-F238E27FC236}">
+                <a16:creationId xmlns:a16="http://schemas.microsoft.com/office/drawing/2014/main" id="{379E4116-8154-592C-C3C7-DB79CDB361B8}"/>
+              </a:ext>
+            </a:extLst>
+          </p:cNvPr>
+          <p:cNvPicPr>
+            <a:picLocks noChangeAspect="1"/>
+          </p:cNvPicPr>
+          <p:nvPr/>
+        </p:nvPicPr>
+        <p:blipFill rotWithShape="1">
+          <a:blip r:embed="rId2">
+            <a:extLst>
+              <a:ext uri="{28A0092B-C50C-407E-A947-70E740481C1C}">
+                <a14:useLocalDpi xmlns:a14="http://schemas.microsoft.com/office/drawing/2010/main" val="0"/>
+              </a:ext>
+              <a:ext uri="{837473B0-CC2E-450A-ABE3-18F120FF3D39}">
+                <a1611:picAttrSrcUrl xmlns:a1611="http://schemas.microsoft.com/office/drawing/2016/11/main" r:id="rId3"/>
+              </a:ext>
+            </a:extLst>
+          </a:blip>
+          <a:srcRect t="12585" b="12364"/>
+          <a:stretch/>
+        </p:blipFill>
+        <p:spPr>
+          <a:xfrm>
+            <a:off x="2522356" y="10"/>
+            <a:ext cx="9669642" cy="6857990"/>
+          </a:xfrm>
+          <a:prstGeom prst="rect">
+            <a:avLst/>
+          </a:prstGeom>
+        </p:spPr>
+      </p:pic>
+      <p:sp>
+        <p:nvSpPr>
+          <p:cNvPr id="5249" name="Rectangle 5248">
+            <a:extLst>
+              <a:ext uri="{FF2B5EF4-FFF2-40B4-BE49-F238E27FC236}">
+                <a16:creationId xmlns:a16="http://schemas.microsoft.com/office/drawing/2014/main" id="{D1EA859B-E555-4109-94F3-6700E046E008}"/>
+              </a:ext>
+              <a:ext uri="{C183D7F6-B498-43B3-948B-1728B52AA6E4}">
+                <adec:decorative xmlns:adec="http://schemas.microsoft.com/office/drawing/2017/decorative" val="1"/>
+              </a:ext>
+            </a:extLst>
+          </p:cNvPr>
+          <p:cNvSpPr>
+            <a:spLocks noGrp="1" noRot="1" noChangeAspect="1" noMove="1" noResize="1" noEditPoints="1" noAdjustHandles="1" noChangeArrowheads="1" noChangeShapeType="1" noTextEdit="1"/>
+          </p:cNvSpPr>
+          <p:nvPr>
+            <p:extLst>
+              <p:ext uri="{386F3935-93C4-4BCD-93E2-E3B085C9AB24}">
+                <p16:designElem xmlns:p16="http://schemas.microsoft.com/office/powerpoint/2015/main" val="1"/>
+              </p:ext>
+            </p:extLst>
+          </p:nvPr>
+        </p:nvSpPr>
+        <p:spPr>
+          <a:xfrm>
+            <a:off x="-1" y="0"/>
+            <a:ext cx="7390263" cy="6858000"/>
+          </a:xfrm>
+          <a:prstGeom prst="rect">
+            <a:avLst/>
+          </a:prstGeom>
+          <a:gradFill>
+            <a:gsLst>
+              <a:gs pos="48000">
+                <a:schemeClr val="bg1"/>
+              </a:gs>
+              <a:gs pos="35000">
+                <a:schemeClr val="bg1">
+                  <a:alpha val="77000"/>
+                </a:schemeClr>
+              </a:gs>
+              <a:gs pos="19000">
+                <a:schemeClr val="bg1">
+                  <a:alpha val="38000"/>
+                </a:schemeClr>
+              </a:gs>
+              <a:gs pos="0">
+                <a:schemeClr val="bg1">
+                  <a:alpha val="0"/>
+                </a:schemeClr>
+              </a:gs>
+              <a:gs pos="100000">
+                <a:schemeClr val="bg1"/>
+              </a:gs>
+            </a:gsLst>
+            <a:lin ang="10800000" scaled="0"/>
+          </a:gradFill>
+          <a:ln>
+            <a:noFill/>
+          </a:ln>
+        </p:spPr>
+        <p:style>
+          <a:lnRef idx="2">
+            <a:schemeClr val="accent1">
+              <a:shade val="50000"/>
+            </a:schemeClr>
+          </a:lnRef>
+          <a:fillRef idx="1">
+            <a:schemeClr val="accent1"/>
+          </a:fillRef>
+          <a:effectRef idx="0">
+            <a:schemeClr val="accent1"/>
+          </a:effectRef>
+          <a:fontRef idx="minor">
+            <a:schemeClr val="lt1"/>
+          </a:fontRef>
+        </p:style>
+        <p:txBody>
+          <a:bodyPr rtlCol="0" anchor="ctr"/>
+          <a:lstStyle/>
+          <a:p>
+            <a:pPr algn="ctr"/>
+            <a:endParaRPr lang="en-US" dirty="0"/>
+          </a:p>
+        </p:txBody>
+      </p:sp>
+      <p:sp>
+        <p:nvSpPr>
+          <p:cNvPr id="2" name="Title 1">
+            <a:extLst>
+              <a:ext uri="{FF2B5EF4-FFF2-40B4-BE49-F238E27FC236}">
+                <a16:creationId xmlns:a16="http://schemas.microsoft.com/office/drawing/2014/main" id="{D4D41ABF-5363-2906-20A1-15F0EC772662}"/>
+              </a:ext>
+            </a:extLst>
+          </p:cNvPr>
+          <p:cNvSpPr>
+            <a:spLocks noGrp="1"/>
+          </p:cNvSpPr>
+          <p:nvPr>
+            <p:ph type="title"/>
+          </p:nvPr>
+        </p:nvSpPr>
+        <p:spPr>
+          <a:xfrm>
+            <a:off x="838200" y="365125"/>
+            <a:ext cx="3822189" cy="1899912"/>
+          </a:xfrm>
+        </p:spPr>
+        <p:txBody>
+          <a:bodyPr>
+            <a:normAutofit/>
+          </a:bodyPr>
+          <a:lstStyle/>
+          <a:p>
+            <a:r>
+              <a:rPr lang="fr-CA" sz="4000"/>
+              <a:t>Fin</a:t>
+            </a:r>
+          </a:p>
+        </p:txBody>
+      </p:sp>
+      <p:sp>
+        <p:nvSpPr>
+          <p:cNvPr id="3" name="Content Placeholder 2">
+            <a:extLst>
+              <a:ext uri="{FF2B5EF4-FFF2-40B4-BE49-F238E27FC236}">
+                <a16:creationId xmlns:a16="http://schemas.microsoft.com/office/drawing/2014/main" id="{778530A6-3BB2-E79E-E71E-F3CC518CC24B}"/>
+              </a:ext>
+            </a:extLst>
+          </p:cNvPr>
+          <p:cNvSpPr>
+            <a:spLocks noGrp="1"/>
+          </p:cNvSpPr>
+          <p:nvPr>
+            <p:ph idx="1"/>
+          </p:nvPr>
+        </p:nvSpPr>
+        <p:spPr>
+          <a:xfrm>
+            <a:off x="838200" y="2434201"/>
+            <a:ext cx="3822189" cy="3742762"/>
+          </a:xfrm>
+        </p:spPr>
+        <p:txBody>
+          <a:bodyPr>
+            <a:normAutofit/>
+          </a:bodyPr>
+          <a:lstStyle/>
+          <a:p>
+            <a:pPr marL="0" indent="0">
+              <a:buNone/>
+            </a:pPr>
+            <a:r>
+              <a:rPr lang="fr-FR" sz="2000"/>
+              <a:t>Merci</a:t>
+            </a:r>
+          </a:p>
+        </p:txBody>
+      </p:sp>
+    </p:spTree>
+    <p:extLst>
+      <p:ext uri="{BB962C8B-B14F-4D97-AF65-F5344CB8AC3E}">
+        <p14:creationId xmlns:p14="http://schemas.microsoft.com/office/powerpoint/2010/main" val="1900785151"/>
+      </p:ext>
+    </p:extLst>
+  </p:cSld>
+  <p:clrMapOvr>
+    <a:masterClrMapping/>
+  </p:clrMapOvr>
+  <p:timing>
+    <p:tnLst>
+      <p:par>
+        <p:cTn id="1" dur="indefinite" restart="never" nodeType="tmRoot">
+          <p:childTnLst>
+            <p:seq concurrent="1" nextAc="seek">
+              <p:cTn id="2" dur="indefinite" nodeType="mainSeq">
+                <p:childTnLst>
+                  <p:par>
+                    <p:cTn id="3" fill="hold">
+                      <p:stCondLst>
+                        <p:cond delay="indefinite"/>
+                        <p:cond evt="onBegin" delay="0">
+                          <p:tn val="2"/>
+                        </p:cond>
+                      </p:stCondLst>
+                      <p:childTnLst>
+                        <p:par>
+                          <p:cTn id="4" fill="hold">
+                            <p:stCondLst>
+                              <p:cond delay="0"/>
+                            </p:stCondLst>
+                            <p:childTnLst>
+                              <p:par>
+                                <p:cTn id="5" presetID="10" presetClass="entr" presetSubtype="0" fill="hold" grpId="0" nodeType="withEffect">
+                                  <p:stCondLst>
+                                    <p:cond delay="1000"/>
+                                  </p:stCondLst>
+                                  <p:iterate>
+                                    <p:tmPct val="10000"/>
+                                  </p:iterate>
+                                  <p:childTnLst>
+                                    <p:set>
+                                      <p:cBhvr>
+                                        <p:cTn id="6" dur="1" fill="hold">
+                                          <p:stCondLst>
+                                            <p:cond delay="0"/>
+                                          </p:stCondLst>
+                                        </p:cTn>
+                                        <p:tgtEl>
+                                          <p:spTgt spid="2"/>
+                                        </p:tgtEl>
+                                        <p:attrNameLst>
+                                          <p:attrName>style.visibility</p:attrName>
+                                        </p:attrNameLst>
+                                      </p:cBhvr>
+                                      <p:to>
+                                        <p:strVal val="visible"/>
+                                      </p:to>
+                                    </p:set>
+                                    <p:animEffect transition="in" filter="fade">
+                                      <p:cBhvr>
+                                        <p:cTn id="7" dur="700"/>
+                                        <p:tgtEl>
+                                          <p:spTgt spid="2"/>
+                                        </p:tgtEl>
+                                      </p:cBhvr>
+                                    </p:animEffect>
+                                  </p:childTnLst>
+                                </p:cTn>
+                              </p:par>
+                            </p:childTnLst>
+                          </p:cTn>
+                        </p:par>
+                      </p:childTnLst>
+                    </p:cTn>
+                  </p:par>
+                </p:childTnLst>
+              </p:cTn>
+              <p:prevCondLst>
+                <p:cond evt="onPrev" delay="0">
+                  <p:tgtEl>
+                    <p:sldTgt/>
+                  </p:tgtEl>
+                </p:cond>
+              </p:prevCondLst>
+              <p:nextCondLst>
+                <p:cond evt="onNext" delay="0">
+                  <p:tgtEl>
+                    <p:sldTgt/>
+                  </p:tgtEl>
+                </p:cond>
+              </p:nextCondLst>
+            </p:seq>
+          </p:childTnLst>
+        </p:cTn>
+      </p:par>
+    </p:tnLst>
+    <p:bldLst>
+      <p:bldP spid="2" grpId="0"/>
+    </p:bldLst>
+  </p:timing>
 </p:sld>
 </file>
 
